--- a/docs/Progetto di semestre - Ground Control_v1.pptx
+++ b/docs/Progetto di semestre - Ground Control_v1.pptx
@@ -5,27 +5,29 @@
     <p:sldMasterId id="2147484139" r:id="rId1"/>
   </p:sldMasterIdLst>
   <p:notesMasterIdLst>
-    <p:notesMasterId r:id="rId17"/>
+    <p:notesMasterId r:id="rId19"/>
   </p:notesMasterIdLst>
   <p:handoutMasterIdLst>
-    <p:handoutMasterId r:id="rId18"/>
+    <p:handoutMasterId r:id="rId20"/>
   </p:handoutMasterIdLst>
   <p:sldIdLst>
     <p:sldId id="268" r:id="rId2"/>
     <p:sldId id="266" r:id="rId3"/>
     <p:sldId id="269" r:id="rId4"/>
     <p:sldId id="270" r:id="rId5"/>
-    <p:sldId id="271" r:id="rId6"/>
-    <p:sldId id="272" r:id="rId7"/>
-    <p:sldId id="273" r:id="rId8"/>
-    <p:sldId id="274" r:id="rId9"/>
-    <p:sldId id="275" r:id="rId10"/>
-    <p:sldId id="276" r:id="rId11"/>
+    <p:sldId id="282" r:id="rId6"/>
+    <p:sldId id="271" r:id="rId7"/>
+    <p:sldId id="272" r:id="rId8"/>
+    <p:sldId id="273" r:id="rId9"/>
+    <p:sldId id="274" r:id="rId10"/>
+    <p:sldId id="275" r:id="rId11"/>
     <p:sldId id="277" r:id="rId12"/>
-    <p:sldId id="279" r:id="rId13"/>
-    <p:sldId id="280" r:id="rId14"/>
-    <p:sldId id="278" r:id="rId15"/>
-    <p:sldId id="281" r:id="rId16"/>
+    <p:sldId id="283" r:id="rId13"/>
+    <p:sldId id="279" r:id="rId14"/>
+    <p:sldId id="280" r:id="rId15"/>
+    <p:sldId id="278" r:id="rId16"/>
+    <p:sldId id="276" r:id="rId17"/>
+    <p:sldId id="281" r:id="rId18"/>
   </p:sldIdLst>
   <p:sldSz cx="9144000" cy="6858000" type="screen4x3"/>
   <p:notesSz cx="6858000" cy="9144000"/>
@@ -521,14 +523,14 @@
           </a:ln>
           <a:extLst>
             <a:ext uri="{909E8E84-426E-40dd-AFC4-6F175D3DCCD1}">
-              <a14:hiddenFill xmlns:a14="http://schemas.microsoft.com/office/drawing/2010/main" xmlns="">
+              <a14:hiddenFill xmlns="" xmlns:a14="http://schemas.microsoft.com/office/drawing/2010/main">
                 <a:solidFill>
                   <a:srgbClr val="FFFFFF"/>
                 </a:solidFill>
               </a14:hiddenFill>
             </a:ext>
             <a:ext uri="{FAA26D3D-D897-4be2-8F04-BA451C77F1D7}">
-              <ma14:placeholderFlag xmlns:ma14="http://schemas.microsoft.com/office/mac/drawingml/2011/main" xmlns="" val="1"/>
+              <ma14:placeholderFlag xmlns="" xmlns:ma14="http://schemas.microsoft.com/office/mac/drawingml/2011/main" val="1"/>
             </a:ext>
           </a:extLst>
         </p:spPr>
@@ -5163,7 +5165,7 @@
         </p:nvSpPr>
         <p:spPr>
           <a:xfrm>
-            <a:off x="539552" y="2964476"/>
+            <a:off x="323528" y="548680"/>
             <a:ext cx="7848872" cy="929048"/>
           </a:xfrm>
         </p:spPr>
@@ -5171,28 +5173,619 @@
           <a:bodyPr/>
           <a:lstStyle/>
           <a:p>
-            <a:pPr algn="ctr"/>
-            <a:r>
-              <a:rPr lang="it-IT" dirty="0"/>
-              <a:t>Demo</a:t>
+            <a:r>
+              <a:rPr lang="it-IT" dirty="0"/>
+              <a:t>Contenuti</a:t>
             </a:r>
           </a:p>
         </p:txBody>
       </p:sp>
+      <p:pic>
+        <p:nvPicPr>
+          <p:cNvPr id="5" name="Immagine 4">
+            <a:extLst>
+              <a:ext uri="{FF2B5EF4-FFF2-40B4-BE49-F238E27FC236}">
+                <a16:creationId xmlns:a16="http://schemas.microsoft.com/office/drawing/2014/main" id="{2FA0E86A-F1A8-4DFD-A341-8A7998113544}"/>
+              </a:ext>
+            </a:extLst>
+          </p:cNvPr>
+          <p:cNvPicPr>
+            <a:picLocks noChangeAspect="1"/>
+          </p:cNvPicPr>
+          <p:nvPr/>
+        </p:nvPicPr>
+        <p:blipFill rotWithShape="1">
+          <a:blip r:embed="rId2">
+            <a:extLst>
+              <a:ext uri="{28A0092B-C50C-407E-A947-70E740481C1C}">
+                <a14:useLocalDpi xmlns:a14="http://schemas.microsoft.com/office/drawing/2010/main" val="0"/>
+              </a:ext>
+            </a:extLst>
+          </a:blip>
+          <a:srcRect l="9768" t="52265" r="45987" b="33942"/>
+          <a:stretch/>
+        </p:blipFill>
+        <p:spPr bwMode="auto">
+          <a:xfrm>
+            <a:off x="1371097" y="944164"/>
+            <a:ext cx="5753734" cy="1119652"/>
+          </a:xfrm>
+          <a:prstGeom prst="rect">
+            <a:avLst/>
+          </a:prstGeom>
+          <a:noFill/>
+          <a:ln>
+            <a:noFill/>
+          </a:ln>
+          <a:extLst>
+            <a:ext uri="{53640926-AAD7-44D8-BBD7-CCE9431645EC}">
+              <a14:shadowObscured xmlns:a14="http://schemas.microsoft.com/office/drawing/2010/main"/>
+            </a:ext>
+          </a:extLst>
+        </p:spPr>
+      </p:pic>
+      <p:pic>
+        <p:nvPicPr>
+          <p:cNvPr id="6" name="Immagine 5">
+            <a:extLst>
+              <a:ext uri="{FF2B5EF4-FFF2-40B4-BE49-F238E27FC236}">
+                <a16:creationId xmlns:a16="http://schemas.microsoft.com/office/drawing/2014/main" id="{2733FAD7-5403-4FD9-8510-5230E060D694}"/>
+              </a:ext>
+            </a:extLst>
+          </p:cNvPr>
+          <p:cNvPicPr>
+            <a:picLocks noChangeAspect="1"/>
+          </p:cNvPicPr>
+          <p:nvPr/>
+        </p:nvPicPr>
+        <p:blipFill rotWithShape="1">
+          <a:blip r:embed="rId3">
+            <a:extLst>
+              <a:ext uri="{28A0092B-C50C-407E-A947-70E740481C1C}">
+                <a14:useLocalDpi xmlns:a14="http://schemas.microsoft.com/office/drawing/2010/main" val="0"/>
+              </a:ext>
+            </a:extLst>
+          </a:blip>
+          <a:srcRect l="18408" t="80878" r="44776"/>
+          <a:stretch/>
+        </p:blipFill>
+        <p:spPr bwMode="auto">
+          <a:xfrm>
+            <a:off x="1371096" y="2503131"/>
+            <a:ext cx="5753735" cy="1581150"/>
+          </a:xfrm>
+          <a:prstGeom prst="rect">
+            <a:avLst/>
+          </a:prstGeom>
+          <a:noFill/>
+          <a:ln>
+            <a:noFill/>
+          </a:ln>
+          <a:extLst>
+            <a:ext uri="{53640926-AAD7-44D8-BBD7-CCE9431645EC}">
+              <a14:shadowObscured xmlns:a14="http://schemas.microsoft.com/office/drawing/2010/main"/>
+            </a:ext>
+          </a:extLst>
+        </p:spPr>
+      </p:pic>
+      <p:pic>
+        <p:nvPicPr>
+          <p:cNvPr id="7" name="Immagine 6" descr="Immagine che contiene testo, computer, screenshot, monitor&#10;&#10;Descrizione generata automaticamente">
+            <a:extLst>
+              <a:ext uri="{FF2B5EF4-FFF2-40B4-BE49-F238E27FC236}">
+                <a16:creationId xmlns:a16="http://schemas.microsoft.com/office/drawing/2014/main" id="{88503023-6360-4355-9448-48AAE1001CA8}"/>
+              </a:ext>
+            </a:extLst>
+          </p:cNvPr>
+          <p:cNvPicPr>
+            <a:picLocks noChangeAspect="1"/>
+          </p:cNvPicPr>
+          <p:nvPr/>
+        </p:nvPicPr>
+        <p:blipFill rotWithShape="1">
+          <a:blip r:embed="rId4">
+            <a:extLst>
+              <a:ext uri="{28A0092B-C50C-407E-A947-70E740481C1C}">
+                <a14:useLocalDpi xmlns:a14="http://schemas.microsoft.com/office/drawing/2010/main" val="0"/>
+              </a:ext>
+            </a:extLst>
+          </a:blip>
+          <a:srcRect t="9814" r="62044" b="67178"/>
+          <a:stretch/>
+        </p:blipFill>
+        <p:spPr bwMode="auto">
+          <a:xfrm>
+            <a:off x="1371096" y="4523596"/>
+            <a:ext cx="5753735" cy="2016224"/>
+          </a:xfrm>
+          <a:prstGeom prst="rect">
+            <a:avLst/>
+          </a:prstGeom>
+          <a:noFill/>
+          <a:ln>
+            <a:noFill/>
+          </a:ln>
+          <a:extLst>
+            <a:ext uri="{53640926-AAD7-44D8-BBD7-CCE9431645EC}">
+              <a14:shadowObscured xmlns:a14="http://schemas.microsoft.com/office/drawing/2010/main"/>
+            </a:ext>
+          </a:extLst>
+        </p:spPr>
+      </p:pic>
     </p:spTree>
     <p:extLst>
       <p:ext uri="{BB962C8B-B14F-4D97-AF65-F5344CB8AC3E}">
-        <p14:creationId xmlns:p14="http://schemas.microsoft.com/office/powerpoint/2010/main" val="1121761942"/>
+        <p14:creationId xmlns:p14="http://schemas.microsoft.com/office/powerpoint/2010/main" val="3660027581"/>
       </p:ext>
     </p:extLst>
   </p:cSld>
   <p:clrMapOvr>
     <a:masterClrMapping/>
   </p:clrMapOvr>
+  <p:timing>
+    <p:tnLst>
+      <p:par>
+        <p:cTn id="1" dur="indefinite" restart="never" nodeType="tmRoot">
+          <p:childTnLst>
+            <p:seq concurrent="1" nextAc="seek">
+              <p:cTn id="2" dur="indefinite" nodeType="mainSeq">
+                <p:childTnLst>
+                  <p:par>
+                    <p:cTn id="3" fill="hold">
+                      <p:stCondLst>
+                        <p:cond delay="indefinite"/>
+                      </p:stCondLst>
+                      <p:childTnLst>
+                        <p:par>
+                          <p:cTn id="4" fill="hold">
+                            <p:stCondLst>
+                              <p:cond delay="0"/>
+                            </p:stCondLst>
+                            <p:childTnLst>
+                              <p:par>
+                                <p:cTn id="5" presetID="10" presetClass="entr" presetSubtype="0" fill="hold" nodeType="clickEffect">
+                                  <p:stCondLst>
+                                    <p:cond delay="0"/>
+                                  </p:stCondLst>
+                                  <p:childTnLst>
+                                    <p:set>
+                                      <p:cBhvr>
+                                        <p:cTn id="6" dur="1" fill="hold">
+                                          <p:stCondLst>
+                                            <p:cond delay="0"/>
+                                          </p:stCondLst>
+                                        </p:cTn>
+                                        <p:tgtEl>
+                                          <p:spTgt spid="5"/>
+                                        </p:tgtEl>
+                                        <p:attrNameLst>
+                                          <p:attrName>style.visibility</p:attrName>
+                                        </p:attrNameLst>
+                                      </p:cBhvr>
+                                      <p:to>
+                                        <p:strVal val="visible"/>
+                                      </p:to>
+                                    </p:set>
+                                    <p:animEffect transition="in" filter="fade">
+                                      <p:cBhvr>
+                                        <p:cTn id="7" dur="500"/>
+                                        <p:tgtEl>
+                                          <p:spTgt spid="5"/>
+                                        </p:tgtEl>
+                                      </p:cBhvr>
+                                    </p:animEffect>
+                                  </p:childTnLst>
+                                </p:cTn>
+                              </p:par>
+                            </p:childTnLst>
+                          </p:cTn>
+                        </p:par>
+                      </p:childTnLst>
+                    </p:cTn>
+                  </p:par>
+                  <p:par>
+                    <p:cTn id="8" fill="hold">
+                      <p:stCondLst>
+                        <p:cond delay="indefinite"/>
+                      </p:stCondLst>
+                      <p:childTnLst>
+                        <p:par>
+                          <p:cTn id="9" fill="hold">
+                            <p:stCondLst>
+                              <p:cond delay="0"/>
+                            </p:stCondLst>
+                            <p:childTnLst>
+                              <p:par>
+                                <p:cTn id="10" presetID="10" presetClass="entr" presetSubtype="0" fill="hold" nodeType="clickEffect">
+                                  <p:stCondLst>
+                                    <p:cond delay="0"/>
+                                  </p:stCondLst>
+                                  <p:childTnLst>
+                                    <p:set>
+                                      <p:cBhvr>
+                                        <p:cTn id="11" dur="1" fill="hold">
+                                          <p:stCondLst>
+                                            <p:cond delay="0"/>
+                                          </p:stCondLst>
+                                        </p:cTn>
+                                        <p:tgtEl>
+                                          <p:spTgt spid="6"/>
+                                        </p:tgtEl>
+                                        <p:attrNameLst>
+                                          <p:attrName>style.visibility</p:attrName>
+                                        </p:attrNameLst>
+                                      </p:cBhvr>
+                                      <p:to>
+                                        <p:strVal val="visible"/>
+                                      </p:to>
+                                    </p:set>
+                                    <p:animEffect transition="in" filter="fade">
+                                      <p:cBhvr>
+                                        <p:cTn id="12" dur="500"/>
+                                        <p:tgtEl>
+                                          <p:spTgt spid="6"/>
+                                        </p:tgtEl>
+                                      </p:cBhvr>
+                                    </p:animEffect>
+                                  </p:childTnLst>
+                                </p:cTn>
+                              </p:par>
+                            </p:childTnLst>
+                          </p:cTn>
+                        </p:par>
+                      </p:childTnLst>
+                    </p:cTn>
+                  </p:par>
+                  <p:par>
+                    <p:cTn id="13" fill="hold">
+                      <p:stCondLst>
+                        <p:cond delay="indefinite"/>
+                      </p:stCondLst>
+                      <p:childTnLst>
+                        <p:par>
+                          <p:cTn id="14" fill="hold">
+                            <p:stCondLst>
+                              <p:cond delay="0"/>
+                            </p:stCondLst>
+                            <p:childTnLst>
+                              <p:par>
+                                <p:cTn id="15" presetID="10" presetClass="entr" presetSubtype="0" fill="hold" nodeType="clickEffect">
+                                  <p:stCondLst>
+                                    <p:cond delay="0"/>
+                                  </p:stCondLst>
+                                  <p:childTnLst>
+                                    <p:set>
+                                      <p:cBhvr>
+                                        <p:cTn id="16" dur="1" fill="hold">
+                                          <p:stCondLst>
+                                            <p:cond delay="0"/>
+                                          </p:stCondLst>
+                                        </p:cTn>
+                                        <p:tgtEl>
+                                          <p:spTgt spid="7"/>
+                                        </p:tgtEl>
+                                        <p:attrNameLst>
+                                          <p:attrName>style.visibility</p:attrName>
+                                        </p:attrNameLst>
+                                      </p:cBhvr>
+                                      <p:to>
+                                        <p:strVal val="visible"/>
+                                      </p:to>
+                                    </p:set>
+                                    <p:animEffect transition="in" filter="fade">
+                                      <p:cBhvr>
+                                        <p:cTn id="17" dur="500"/>
+                                        <p:tgtEl>
+                                          <p:spTgt spid="7"/>
+                                        </p:tgtEl>
+                                      </p:cBhvr>
+                                    </p:animEffect>
+                                  </p:childTnLst>
+                                </p:cTn>
+                              </p:par>
+                            </p:childTnLst>
+                          </p:cTn>
+                        </p:par>
+                      </p:childTnLst>
+                    </p:cTn>
+                  </p:par>
+                </p:childTnLst>
+              </p:cTn>
+              <p:prevCondLst>
+                <p:cond evt="onPrev" delay="0">
+                  <p:tgtEl>
+                    <p:sldTgt/>
+                  </p:tgtEl>
+                </p:cond>
+              </p:prevCondLst>
+              <p:nextCondLst>
+                <p:cond evt="onNext" delay="0">
+                  <p:tgtEl>
+                    <p:sldTgt/>
+                  </p:tgtEl>
+                </p:cond>
+              </p:nextCondLst>
+            </p:seq>
+          </p:childTnLst>
+        </p:cTn>
+      </p:par>
+    </p:tnLst>
+  </p:timing>
 </p:sld>
 </file>
 
 <file path=ppt/slides/slide11.xml><?xml version="1.0" encoding="utf-8"?>
+<p:sld xmlns:a="http://schemas.openxmlformats.org/drawingml/2006/main" xmlns:r="http://schemas.openxmlformats.org/officeDocument/2006/relationships" xmlns:p="http://schemas.openxmlformats.org/presentationml/2006/main">
+  <p:cSld>
+    <p:spTree>
+      <p:nvGrpSpPr>
+        <p:cNvPr id="1" name=""/>
+        <p:cNvGrpSpPr/>
+        <p:nvPr/>
+      </p:nvGrpSpPr>
+      <p:grpSpPr>
+        <a:xfrm>
+          <a:off x="0" y="0"/>
+          <a:ext cx="0" cy="0"/>
+          <a:chOff x="0" y="0"/>
+          <a:chExt cx="0" cy="0"/>
+        </a:xfrm>
+      </p:grpSpPr>
+      <p:sp>
+        <p:nvSpPr>
+          <p:cNvPr id="2" name="Segnaposto testo 1"/>
+          <p:cNvSpPr>
+            <a:spLocks noGrp="1"/>
+          </p:cNvSpPr>
+          <p:nvPr>
+            <p:ph type="body" sz="quarter" idx="13"/>
+          </p:nvPr>
+        </p:nvSpPr>
+        <p:spPr>
+          <a:xfrm>
+            <a:off x="323528" y="1225700"/>
+            <a:ext cx="3816424" cy="252028"/>
+          </a:xfrm>
+        </p:spPr>
+        <p:txBody>
+          <a:bodyPr/>
+          <a:lstStyle/>
+          <a:p>
+            <a:pPr marL="285750" indent="-285750">
+              <a:buFont typeface="Arial" panose="020B0604020202020204" pitchFamily="34" charset="0"/>
+              <a:buChar char="•"/>
+            </a:pPr>
+            <a:r>
+              <a:rPr lang="it-IT" dirty="0"/>
+              <a:t>Presentazione e logica</a:t>
+            </a:r>
+          </a:p>
+          <a:p>
+            <a:pPr marL="285750" indent="-285750">
+              <a:buFont typeface="Arial" panose="020B0604020202020204" pitchFamily="34" charset="0"/>
+              <a:buChar char="•"/>
+            </a:pPr>
+            <a:endParaRPr lang="it-IT" dirty="0"/>
+          </a:p>
+        </p:txBody>
+      </p:sp>
+      <p:sp>
+        <p:nvSpPr>
+          <p:cNvPr id="3" name="Segnaposto testo 2"/>
+          <p:cNvSpPr>
+            <a:spLocks noGrp="1"/>
+          </p:cNvSpPr>
+          <p:nvPr>
+            <p:ph type="body" sz="quarter" idx="14"/>
+          </p:nvPr>
+        </p:nvSpPr>
+        <p:spPr>
+          <a:xfrm>
+            <a:off x="323528" y="548680"/>
+            <a:ext cx="7848872" cy="929048"/>
+          </a:xfrm>
+        </p:spPr>
+        <p:txBody>
+          <a:bodyPr/>
+          <a:lstStyle/>
+          <a:p>
+            <a:r>
+              <a:rPr lang="it-IT" dirty="0"/>
+              <a:t>User Control</a:t>
+            </a:r>
+          </a:p>
+        </p:txBody>
+      </p:sp>
+      <p:pic>
+        <p:nvPicPr>
+          <p:cNvPr id="6" name="Immagine 5" descr="Immagine che contiene testo, screenshot, monitor, nero&#10;&#10;Descrizione generata automaticamente">
+            <a:extLst>
+              <a:ext uri="{FF2B5EF4-FFF2-40B4-BE49-F238E27FC236}">
+                <a16:creationId xmlns:a16="http://schemas.microsoft.com/office/drawing/2014/main" id="{27B80EF7-CA6A-424A-BBCF-856350C8F9EE}"/>
+              </a:ext>
+            </a:extLst>
+          </p:cNvPr>
+          <p:cNvPicPr>
+            <a:picLocks noChangeAspect="1"/>
+          </p:cNvPicPr>
+          <p:nvPr/>
+        </p:nvPicPr>
+        <p:blipFill rotWithShape="1">
+          <a:blip r:embed="rId2"/>
+          <a:srcRect l="1963" t="7112" r="21651" b="7112"/>
+          <a:stretch/>
+        </p:blipFill>
+        <p:spPr>
+          <a:xfrm>
+            <a:off x="1020418" y="1700808"/>
+            <a:ext cx="7103163" cy="4320480"/>
+          </a:xfrm>
+          <a:prstGeom prst="rect">
+            <a:avLst/>
+          </a:prstGeom>
+        </p:spPr>
+      </p:pic>
+      <p:pic>
+        <p:nvPicPr>
+          <p:cNvPr id="8" name="Immagine 7" descr="Immagine che contiene testo, screenshot, monitor, nero&#10;&#10;Descrizione generata automaticamente">
+            <a:extLst>
+              <a:ext uri="{FF2B5EF4-FFF2-40B4-BE49-F238E27FC236}">
+                <a16:creationId xmlns:a16="http://schemas.microsoft.com/office/drawing/2014/main" id="{AFD9592D-35DF-4CB7-B5C4-EB3FD893DCAD}"/>
+              </a:ext>
+            </a:extLst>
+          </p:cNvPr>
+          <p:cNvPicPr>
+            <a:picLocks noChangeAspect="1"/>
+          </p:cNvPicPr>
+          <p:nvPr/>
+        </p:nvPicPr>
+        <p:blipFill rotWithShape="1">
+          <a:blip r:embed="rId3"/>
+          <a:srcRect l="1963" t="7112" r="23226" b="7112"/>
+          <a:stretch/>
+        </p:blipFill>
+        <p:spPr>
+          <a:xfrm>
+            <a:off x="1020417" y="1700808"/>
+            <a:ext cx="7103163" cy="4320480"/>
+          </a:xfrm>
+          <a:prstGeom prst="rect">
+            <a:avLst/>
+          </a:prstGeom>
+        </p:spPr>
+      </p:pic>
+    </p:spTree>
+    <p:extLst>
+      <p:ext uri="{BB962C8B-B14F-4D97-AF65-F5344CB8AC3E}">
+        <p14:creationId xmlns:p14="http://schemas.microsoft.com/office/powerpoint/2010/main" val="2442728659"/>
+      </p:ext>
+    </p:extLst>
+  </p:cSld>
+  <p:clrMapOvr>
+    <a:masterClrMapping/>
+  </p:clrMapOvr>
+  <p:timing>
+    <p:tnLst>
+      <p:par>
+        <p:cTn id="1" dur="indefinite" restart="never" nodeType="tmRoot">
+          <p:childTnLst>
+            <p:seq concurrent="1" nextAc="seek">
+              <p:cTn id="2" dur="indefinite" nodeType="mainSeq">
+                <p:childTnLst>
+                  <p:par>
+                    <p:cTn id="3" fill="hold">
+                      <p:stCondLst>
+                        <p:cond delay="indefinite"/>
+                      </p:stCondLst>
+                      <p:childTnLst>
+                        <p:par>
+                          <p:cTn id="4" fill="hold">
+                            <p:stCondLst>
+                              <p:cond delay="0"/>
+                            </p:stCondLst>
+                            <p:childTnLst>
+                              <p:par>
+                                <p:cTn id="5" presetID="10" presetClass="exit" presetSubtype="0" fill="hold" nodeType="clickEffect">
+                                  <p:stCondLst>
+                                    <p:cond delay="0"/>
+                                  </p:stCondLst>
+                                  <p:childTnLst>
+                                    <p:animEffect transition="out" filter="fade">
+                                      <p:cBhvr>
+                                        <p:cTn id="6" dur="500"/>
+                                        <p:tgtEl>
+                                          <p:spTgt spid="6"/>
+                                        </p:tgtEl>
+                                      </p:cBhvr>
+                                    </p:animEffect>
+                                    <p:set>
+                                      <p:cBhvr>
+                                        <p:cTn id="7" dur="1" fill="hold">
+                                          <p:stCondLst>
+                                            <p:cond delay="499"/>
+                                          </p:stCondLst>
+                                        </p:cTn>
+                                        <p:tgtEl>
+                                          <p:spTgt spid="6"/>
+                                        </p:tgtEl>
+                                        <p:attrNameLst>
+                                          <p:attrName>style.visibility</p:attrName>
+                                        </p:attrNameLst>
+                                      </p:cBhvr>
+                                      <p:to>
+                                        <p:strVal val="hidden"/>
+                                      </p:to>
+                                    </p:set>
+                                  </p:childTnLst>
+                                </p:cTn>
+                              </p:par>
+                              <p:par>
+                                <p:cTn id="8" presetID="10" presetClass="entr" presetSubtype="0" fill="hold" nodeType="withEffect">
+                                  <p:stCondLst>
+                                    <p:cond delay="0"/>
+                                  </p:stCondLst>
+                                  <p:childTnLst>
+                                    <p:set>
+                                      <p:cBhvr>
+                                        <p:cTn id="9" dur="1" fill="hold">
+                                          <p:stCondLst>
+                                            <p:cond delay="0"/>
+                                          </p:stCondLst>
+                                        </p:cTn>
+                                        <p:tgtEl>
+                                          <p:spTgt spid="8"/>
+                                        </p:tgtEl>
+                                        <p:attrNameLst>
+                                          <p:attrName>style.visibility</p:attrName>
+                                        </p:attrNameLst>
+                                      </p:cBhvr>
+                                      <p:to>
+                                        <p:strVal val="visible"/>
+                                      </p:to>
+                                    </p:set>
+                                    <p:animEffect transition="in" filter="fade">
+                                      <p:cBhvr>
+                                        <p:cTn id="10" dur="500"/>
+                                        <p:tgtEl>
+                                          <p:spTgt spid="8"/>
+                                        </p:tgtEl>
+                                      </p:cBhvr>
+                                    </p:animEffect>
+                                  </p:childTnLst>
+                                </p:cTn>
+                              </p:par>
+                            </p:childTnLst>
+                          </p:cTn>
+                        </p:par>
+                      </p:childTnLst>
+                    </p:cTn>
+                  </p:par>
+                </p:childTnLst>
+              </p:cTn>
+              <p:prevCondLst>
+                <p:cond evt="onPrev" delay="0">
+                  <p:tgtEl>
+                    <p:sldTgt/>
+                  </p:tgtEl>
+                </p:cond>
+              </p:prevCondLst>
+              <p:nextCondLst>
+                <p:cond evt="onNext" delay="0">
+                  <p:tgtEl>
+                    <p:sldTgt/>
+                  </p:tgtEl>
+                </p:cond>
+              </p:nextCondLst>
+            </p:seq>
+          </p:childTnLst>
+        </p:cTn>
+      </p:par>
+    </p:tnLst>
+  </p:timing>
+</p:sld>
+</file>
+
+<file path=ppt/slides/slide12.xml><?xml version="1.0" encoding="utf-8"?>
 <p:sld xmlns:a="http://schemas.openxmlformats.org/drawingml/2006/main" xmlns:r="http://schemas.openxmlformats.org/officeDocument/2006/relationships" xmlns:p="http://schemas.openxmlformats.org/presentationml/2006/main">
   <p:cSld>
     <p:spTree>
@@ -5335,7 +5928,7 @@
     </p:spTree>
     <p:extLst>
       <p:ext uri="{BB962C8B-B14F-4D97-AF65-F5344CB8AC3E}">
-        <p14:creationId xmlns:p14="http://schemas.microsoft.com/office/powerpoint/2010/main" val="2442728659"/>
+        <p14:creationId xmlns:p14="http://schemas.microsoft.com/office/powerpoint/2010/main" val="3224160732"/>
       </p:ext>
     </p:extLst>
   </p:cSld>
@@ -5345,7 +5938,7 @@
 </p:sld>
 </file>
 
-<file path=ppt/slides/slide12.xml><?xml version="1.0" encoding="utf-8"?>
+<file path=ppt/slides/slide13.xml><?xml version="1.0" encoding="utf-8"?>
 <p:sld xmlns:a="http://schemas.openxmlformats.org/drawingml/2006/main" xmlns:r="http://schemas.openxmlformats.org/officeDocument/2006/relationships" xmlns:p="http://schemas.openxmlformats.org/presentationml/2006/main">
   <p:cSld>
     <p:spTree>
@@ -7181,129 +7774,6 @@
 </p:sld>
 </file>
 
-<file path=ppt/slides/slide13.xml><?xml version="1.0" encoding="utf-8"?>
-<p:sld xmlns:a="http://schemas.openxmlformats.org/drawingml/2006/main" xmlns:r="http://schemas.openxmlformats.org/officeDocument/2006/relationships" xmlns:p="http://schemas.openxmlformats.org/presentationml/2006/main">
-  <p:cSld>
-    <p:spTree>
-      <p:nvGrpSpPr>
-        <p:cNvPr id="1" name=""/>
-        <p:cNvGrpSpPr/>
-        <p:nvPr/>
-      </p:nvGrpSpPr>
-      <p:grpSpPr>
-        <a:xfrm>
-          <a:off x="0" y="0"/>
-          <a:ext cx="0" cy="0"/>
-          <a:chOff x="0" y="0"/>
-          <a:chExt cx="0" cy="0"/>
-        </a:xfrm>
-      </p:grpSpPr>
-      <p:sp>
-        <p:nvSpPr>
-          <p:cNvPr id="2" name="Segnaposto testo 1"/>
-          <p:cNvSpPr>
-            <a:spLocks noGrp="1"/>
-          </p:cNvSpPr>
-          <p:nvPr>
-            <p:ph type="body" sz="quarter" idx="13"/>
-          </p:nvPr>
-        </p:nvSpPr>
-        <p:spPr/>
-        <p:txBody>
-          <a:bodyPr/>
-          <a:lstStyle/>
-          <a:p>
-            <a:endParaRPr lang="it-IT" dirty="0"/>
-          </a:p>
-        </p:txBody>
-      </p:sp>
-      <p:sp>
-        <p:nvSpPr>
-          <p:cNvPr id="3" name="Segnaposto testo 2"/>
-          <p:cNvSpPr>
-            <a:spLocks noGrp="1"/>
-          </p:cNvSpPr>
-          <p:nvPr>
-            <p:ph type="body" sz="quarter" idx="14"/>
-          </p:nvPr>
-        </p:nvSpPr>
-        <p:spPr>
-          <a:xfrm>
-            <a:off x="323528" y="548680"/>
-            <a:ext cx="7848872" cy="929048"/>
-          </a:xfrm>
-        </p:spPr>
-        <p:txBody>
-          <a:bodyPr/>
-          <a:lstStyle/>
-          <a:p>
-            <a:r>
-              <a:rPr lang="it-IT" dirty="0"/>
-              <a:t>Sviluppi futuri</a:t>
-            </a:r>
-          </a:p>
-        </p:txBody>
-      </p:sp>
-      <p:sp>
-        <p:nvSpPr>
-          <p:cNvPr id="4" name="Rettangolo 3"/>
-          <p:cNvSpPr/>
-          <p:nvPr/>
-        </p:nvSpPr>
-        <p:spPr>
-          <a:xfrm>
-            <a:off x="4355976" y="2371293"/>
-            <a:ext cx="3816424" cy="4176464"/>
-          </a:xfrm>
-          <a:prstGeom prst="rect">
-            <a:avLst/>
-          </a:prstGeom>
-          <a:solidFill>
-            <a:schemeClr val="bg2">
-              <a:lumMod val="85000"/>
-            </a:schemeClr>
-          </a:solidFill>
-          <a:ln>
-            <a:noFill/>
-          </a:ln>
-          <a:effectLst/>
-        </p:spPr>
-        <p:style>
-          <a:lnRef idx="1">
-            <a:schemeClr val="accent1"/>
-          </a:lnRef>
-          <a:fillRef idx="3">
-            <a:schemeClr val="accent1"/>
-          </a:fillRef>
-          <a:effectRef idx="2">
-            <a:schemeClr val="accent1"/>
-          </a:effectRef>
-          <a:fontRef idx="minor">
-            <a:schemeClr val="lt1"/>
-          </a:fontRef>
-        </p:style>
-        <p:txBody>
-          <a:bodyPr rtlCol="0" anchor="ctr"/>
-          <a:lstStyle/>
-          <a:p>
-            <a:pPr algn="ctr"/>
-            <a:endParaRPr lang="it-IT"/>
-          </a:p>
-        </p:txBody>
-      </p:sp>
-    </p:spTree>
-    <p:extLst>
-      <p:ext uri="{BB962C8B-B14F-4D97-AF65-F5344CB8AC3E}">
-        <p14:creationId xmlns:p14="http://schemas.microsoft.com/office/powerpoint/2010/main" val="2160417132"/>
-      </p:ext>
-    </p:extLst>
-  </p:cSld>
-  <p:clrMapOvr>
-    <a:masterClrMapping/>
-  </p:clrMapOvr>
-</p:sld>
-</file>
-
 <file path=ppt/slides/slide14.xml><?xml version="1.0" encoding="utf-8"?>
 <p:sld xmlns:a="http://schemas.openxmlformats.org/drawingml/2006/main" xmlns:r="http://schemas.openxmlformats.org/officeDocument/2006/relationships" xmlns:p="http://schemas.openxmlformats.org/presentationml/2006/main">
   <p:cSld>
@@ -7331,12 +7801,52 @@
             <p:ph type="body" sz="quarter" idx="13"/>
           </p:nvPr>
         </p:nvSpPr>
-        <p:spPr/>
+        <p:spPr>
+          <a:xfrm>
+            <a:off x="347452" y="2859460"/>
+            <a:ext cx="4245954" cy="3998540"/>
+          </a:xfrm>
+        </p:spPr>
         <p:txBody>
           <a:bodyPr/>
           <a:lstStyle/>
           <a:p>
-            <a:endParaRPr lang="it-IT" dirty="0"/>
+            <a:pPr marL="285750" indent="-285750">
+              <a:buFont typeface="Arial" panose="020B0604020202020204" pitchFamily="34" charset="0"/>
+              <a:buChar char="•"/>
+            </a:pPr>
+            <a:r>
+              <a:rPr lang="it-IT" sz="1600" dirty="0"/>
+              <a:t>Integrazione database e parte online</a:t>
+            </a:r>
+            <a:br>
+              <a:rPr lang="it-IT" sz="1600" dirty="0"/>
+            </a:br>
+            <a:endParaRPr lang="it-IT" sz="1600" dirty="0"/>
+          </a:p>
+          <a:p>
+            <a:pPr marL="285750" indent="-285750">
+              <a:buFont typeface="Arial" panose="020B0604020202020204" pitchFamily="34" charset="0"/>
+              <a:buChar char="•"/>
+            </a:pPr>
+            <a:r>
+              <a:rPr lang="it-IT" sz="1600" dirty="0"/>
+              <a:t>Ottimizzazione</a:t>
+            </a:r>
+            <a:br>
+              <a:rPr lang="it-IT" sz="1600" dirty="0"/>
+            </a:br>
+            <a:endParaRPr lang="it-IT" sz="1600" dirty="0"/>
+          </a:p>
+          <a:p>
+            <a:pPr marL="285750" indent="-285750">
+              <a:buFont typeface="Arial" panose="020B0604020202020204" pitchFamily="34" charset="0"/>
+              <a:buChar char="•"/>
+            </a:pPr>
+            <a:r>
+              <a:rPr lang="it-IT" sz="1600" dirty="0"/>
+              <a:t>Stile grafico</a:t>
+            </a:r>
           </a:p>
         </p:txBody>
       </p:sp>
@@ -7362,55 +7872,699 @@
           <a:p>
             <a:r>
               <a:rPr lang="it-IT" dirty="0"/>
-              <a:t>Conclusioni</a:t>
+              <a:t>Sviluppi futuri</a:t>
+            </a:r>
+          </a:p>
+        </p:txBody>
+      </p:sp>
+      <p:pic>
+        <p:nvPicPr>
+          <p:cNvPr id="5" name="Immagine 4" descr="Immagine che contiene tavolo&#10;&#10;Descrizione generata automaticamente">
+            <a:extLst>
+              <a:ext uri="{FF2B5EF4-FFF2-40B4-BE49-F238E27FC236}">
+                <a16:creationId xmlns:a16="http://schemas.microsoft.com/office/drawing/2014/main" id="{FAFCC039-2085-4C13-A0AE-38FBB914BC9D}"/>
+              </a:ext>
+            </a:extLst>
+          </p:cNvPr>
+          <p:cNvPicPr>
+            <a:picLocks noChangeAspect="1"/>
+          </p:cNvPicPr>
+          <p:nvPr/>
+        </p:nvPicPr>
+        <p:blipFill rotWithShape="1">
+          <a:blip r:embed="rId2"/>
+          <a:srcRect l="36073" t="26273" r="36459" b="47759"/>
+          <a:stretch/>
+        </p:blipFill>
+        <p:spPr bwMode="auto">
+          <a:xfrm>
+            <a:off x="4499992" y="2430400"/>
+            <a:ext cx="3900412" cy="1997199"/>
+          </a:xfrm>
+          <a:prstGeom prst="rect">
+            <a:avLst/>
+          </a:prstGeom>
+          <a:ln>
+            <a:noFill/>
+          </a:ln>
+          <a:extLst>
+            <a:ext uri="{53640926-AAD7-44D8-BBD7-CCE9431645EC}">
+              <a14:shadowObscured xmlns:a14="http://schemas.microsoft.com/office/drawing/2010/main"/>
+            </a:ext>
+          </a:extLst>
+        </p:spPr>
+      </p:pic>
+    </p:spTree>
+    <p:extLst>
+      <p:ext uri="{BB962C8B-B14F-4D97-AF65-F5344CB8AC3E}">
+        <p14:creationId xmlns:p14="http://schemas.microsoft.com/office/powerpoint/2010/main" val="2160417132"/>
+      </p:ext>
+    </p:extLst>
+  </p:cSld>
+  <p:clrMapOvr>
+    <a:masterClrMapping/>
+  </p:clrMapOvr>
+  <p:timing>
+    <p:tnLst>
+      <p:par>
+        <p:cTn id="1" dur="indefinite" restart="never" nodeType="tmRoot">
+          <p:childTnLst>
+            <p:seq concurrent="1" nextAc="seek">
+              <p:cTn id="2" dur="indefinite" nodeType="mainSeq">
+                <p:childTnLst>
+                  <p:par>
+                    <p:cTn id="3" fill="hold">
+                      <p:stCondLst>
+                        <p:cond delay="indefinite"/>
+                      </p:stCondLst>
+                      <p:childTnLst>
+                        <p:par>
+                          <p:cTn id="4" fill="hold">
+                            <p:stCondLst>
+                              <p:cond delay="0"/>
+                            </p:stCondLst>
+                            <p:childTnLst>
+                              <p:par>
+                                <p:cTn id="5" presetID="10" presetClass="entr" presetSubtype="0" fill="hold" grpId="0" nodeType="clickEffect">
+                                  <p:stCondLst>
+                                    <p:cond delay="0"/>
+                                  </p:stCondLst>
+                                  <p:childTnLst>
+                                    <p:set>
+                                      <p:cBhvr>
+                                        <p:cTn id="6" dur="1" fill="hold">
+                                          <p:stCondLst>
+                                            <p:cond delay="0"/>
+                                          </p:stCondLst>
+                                        </p:cTn>
+                                        <p:tgtEl>
+                                          <p:spTgt spid="2">
+                                            <p:txEl>
+                                              <p:pRg st="0" end="0"/>
+                                            </p:txEl>
+                                          </p:spTgt>
+                                        </p:tgtEl>
+                                        <p:attrNameLst>
+                                          <p:attrName>style.visibility</p:attrName>
+                                        </p:attrNameLst>
+                                      </p:cBhvr>
+                                      <p:to>
+                                        <p:strVal val="visible"/>
+                                      </p:to>
+                                    </p:set>
+                                    <p:animEffect transition="in" filter="fade">
+                                      <p:cBhvr>
+                                        <p:cTn id="7" dur="500"/>
+                                        <p:tgtEl>
+                                          <p:spTgt spid="2">
+                                            <p:txEl>
+                                              <p:pRg st="0" end="0"/>
+                                            </p:txEl>
+                                          </p:spTgt>
+                                        </p:tgtEl>
+                                      </p:cBhvr>
+                                    </p:animEffect>
+                                  </p:childTnLst>
+                                </p:cTn>
+                              </p:par>
+                            </p:childTnLst>
+                          </p:cTn>
+                        </p:par>
+                      </p:childTnLst>
+                    </p:cTn>
+                  </p:par>
+                  <p:par>
+                    <p:cTn id="8" fill="hold">
+                      <p:stCondLst>
+                        <p:cond delay="indefinite"/>
+                      </p:stCondLst>
+                      <p:childTnLst>
+                        <p:par>
+                          <p:cTn id="9" fill="hold">
+                            <p:stCondLst>
+                              <p:cond delay="0"/>
+                            </p:stCondLst>
+                            <p:childTnLst>
+                              <p:par>
+                                <p:cTn id="10" presetID="10" presetClass="entr" presetSubtype="0" fill="hold" grpId="0" nodeType="clickEffect">
+                                  <p:stCondLst>
+                                    <p:cond delay="0"/>
+                                  </p:stCondLst>
+                                  <p:childTnLst>
+                                    <p:set>
+                                      <p:cBhvr>
+                                        <p:cTn id="11" dur="1" fill="hold">
+                                          <p:stCondLst>
+                                            <p:cond delay="0"/>
+                                          </p:stCondLst>
+                                        </p:cTn>
+                                        <p:tgtEl>
+                                          <p:spTgt spid="2">
+                                            <p:txEl>
+                                              <p:pRg st="1" end="1"/>
+                                            </p:txEl>
+                                          </p:spTgt>
+                                        </p:tgtEl>
+                                        <p:attrNameLst>
+                                          <p:attrName>style.visibility</p:attrName>
+                                        </p:attrNameLst>
+                                      </p:cBhvr>
+                                      <p:to>
+                                        <p:strVal val="visible"/>
+                                      </p:to>
+                                    </p:set>
+                                    <p:animEffect transition="in" filter="fade">
+                                      <p:cBhvr>
+                                        <p:cTn id="12" dur="500"/>
+                                        <p:tgtEl>
+                                          <p:spTgt spid="2">
+                                            <p:txEl>
+                                              <p:pRg st="1" end="1"/>
+                                            </p:txEl>
+                                          </p:spTgt>
+                                        </p:tgtEl>
+                                      </p:cBhvr>
+                                    </p:animEffect>
+                                  </p:childTnLst>
+                                </p:cTn>
+                              </p:par>
+                            </p:childTnLst>
+                          </p:cTn>
+                        </p:par>
+                      </p:childTnLst>
+                    </p:cTn>
+                  </p:par>
+                  <p:par>
+                    <p:cTn id="13" fill="hold">
+                      <p:stCondLst>
+                        <p:cond delay="indefinite"/>
+                      </p:stCondLst>
+                      <p:childTnLst>
+                        <p:par>
+                          <p:cTn id="14" fill="hold">
+                            <p:stCondLst>
+                              <p:cond delay="0"/>
+                            </p:stCondLst>
+                            <p:childTnLst>
+                              <p:par>
+                                <p:cTn id="15" presetID="10" presetClass="entr" presetSubtype="0" fill="hold" grpId="0" nodeType="clickEffect">
+                                  <p:stCondLst>
+                                    <p:cond delay="0"/>
+                                  </p:stCondLst>
+                                  <p:childTnLst>
+                                    <p:set>
+                                      <p:cBhvr>
+                                        <p:cTn id="16" dur="1" fill="hold">
+                                          <p:stCondLst>
+                                            <p:cond delay="0"/>
+                                          </p:stCondLst>
+                                        </p:cTn>
+                                        <p:tgtEl>
+                                          <p:spTgt spid="2">
+                                            <p:txEl>
+                                              <p:pRg st="2" end="2"/>
+                                            </p:txEl>
+                                          </p:spTgt>
+                                        </p:tgtEl>
+                                        <p:attrNameLst>
+                                          <p:attrName>style.visibility</p:attrName>
+                                        </p:attrNameLst>
+                                      </p:cBhvr>
+                                      <p:to>
+                                        <p:strVal val="visible"/>
+                                      </p:to>
+                                    </p:set>
+                                    <p:animEffect transition="in" filter="fade">
+                                      <p:cBhvr>
+                                        <p:cTn id="17" dur="500"/>
+                                        <p:tgtEl>
+                                          <p:spTgt spid="2">
+                                            <p:txEl>
+                                              <p:pRg st="2" end="2"/>
+                                            </p:txEl>
+                                          </p:spTgt>
+                                        </p:tgtEl>
+                                      </p:cBhvr>
+                                    </p:animEffect>
+                                  </p:childTnLst>
+                                </p:cTn>
+                              </p:par>
+                            </p:childTnLst>
+                          </p:cTn>
+                        </p:par>
+                      </p:childTnLst>
+                    </p:cTn>
+                  </p:par>
+                  <p:par>
+                    <p:cTn id="18" fill="hold">
+                      <p:stCondLst>
+                        <p:cond delay="indefinite"/>
+                      </p:stCondLst>
+                      <p:childTnLst>
+                        <p:par>
+                          <p:cTn id="19" fill="hold">
+                            <p:stCondLst>
+                              <p:cond delay="0"/>
+                            </p:stCondLst>
+                            <p:childTnLst>
+                              <p:par>
+                                <p:cTn id="20" presetID="10" presetClass="entr" presetSubtype="0" fill="hold" nodeType="clickEffect">
+                                  <p:stCondLst>
+                                    <p:cond delay="0"/>
+                                  </p:stCondLst>
+                                  <p:childTnLst>
+                                    <p:set>
+                                      <p:cBhvr>
+                                        <p:cTn id="21" dur="1" fill="hold">
+                                          <p:stCondLst>
+                                            <p:cond delay="0"/>
+                                          </p:stCondLst>
+                                        </p:cTn>
+                                        <p:tgtEl>
+                                          <p:spTgt spid="5"/>
+                                        </p:tgtEl>
+                                        <p:attrNameLst>
+                                          <p:attrName>style.visibility</p:attrName>
+                                        </p:attrNameLst>
+                                      </p:cBhvr>
+                                      <p:to>
+                                        <p:strVal val="visible"/>
+                                      </p:to>
+                                    </p:set>
+                                    <p:animEffect transition="in" filter="fade">
+                                      <p:cBhvr>
+                                        <p:cTn id="22" dur="500"/>
+                                        <p:tgtEl>
+                                          <p:spTgt spid="5"/>
+                                        </p:tgtEl>
+                                      </p:cBhvr>
+                                    </p:animEffect>
+                                  </p:childTnLst>
+                                </p:cTn>
+                              </p:par>
+                            </p:childTnLst>
+                          </p:cTn>
+                        </p:par>
+                      </p:childTnLst>
+                    </p:cTn>
+                  </p:par>
+                </p:childTnLst>
+              </p:cTn>
+              <p:prevCondLst>
+                <p:cond evt="onPrev" delay="0">
+                  <p:tgtEl>
+                    <p:sldTgt/>
+                  </p:tgtEl>
+                </p:cond>
+              </p:prevCondLst>
+              <p:nextCondLst>
+                <p:cond evt="onNext" delay="0">
+                  <p:tgtEl>
+                    <p:sldTgt/>
+                  </p:tgtEl>
+                </p:cond>
+              </p:nextCondLst>
+            </p:seq>
+          </p:childTnLst>
+        </p:cTn>
+      </p:par>
+    </p:tnLst>
+    <p:bldLst>
+      <p:bldP spid="2" grpId="0" build="p"/>
+    </p:bldLst>
+  </p:timing>
+</p:sld>
+</file>
+
+<file path=ppt/slides/slide15.xml><?xml version="1.0" encoding="utf-8"?>
+<p:sld xmlns:a="http://schemas.openxmlformats.org/drawingml/2006/main" xmlns:r="http://schemas.openxmlformats.org/officeDocument/2006/relationships" xmlns:p="http://schemas.openxmlformats.org/presentationml/2006/main">
+  <p:cSld>
+    <p:spTree>
+      <p:nvGrpSpPr>
+        <p:cNvPr id="1" name=""/>
+        <p:cNvGrpSpPr/>
+        <p:nvPr/>
+      </p:nvGrpSpPr>
+      <p:grpSpPr>
+        <a:xfrm>
+          <a:off x="0" y="0"/>
+          <a:ext cx="0" cy="0"/>
+          <a:chOff x="0" y="0"/>
+          <a:chExt cx="0" cy="0"/>
+        </a:xfrm>
+      </p:grpSpPr>
+      <p:sp>
+        <p:nvSpPr>
+          <p:cNvPr id="2" name="Segnaposto testo 1"/>
+          <p:cNvSpPr>
+            <a:spLocks noGrp="1"/>
+          </p:cNvSpPr>
+          <p:nvPr>
+            <p:ph type="body" sz="quarter" idx="13"/>
+          </p:nvPr>
+        </p:nvSpPr>
+        <p:spPr>
+          <a:xfrm>
+            <a:off x="297387" y="1988840"/>
+            <a:ext cx="4032448" cy="5150668"/>
+          </a:xfrm>
+        </p:spPr>
+        <p:txBody>
+          <a:bodyPr/>
+          <a:lstStyle/>
+          <a:p>
+            <a:r>
+              <a:rPr lang="it-IT" dirty="0"/>
+              <a:t>Risultato progetto</a:t>
+            </a:r>
+          </a:p>
+          <a:p>
+            <a:endParaRPr lang="it-IT" dirty="0"/>
+          </a:p>
+          <a:p>
+            <a:pPr marL="285750" indent="-285750">
+              <a:buFont typeface="Arial" panose="020B0604020202020204" pitchFamily="34" charset="0"/>
+              <a:buChar char="•"/>
+            </a:pPr>
+            <a:r>
+              <a:rPr lang="it-IT" dirty="0"/>
+              <a:t>Requisiti rispettati: funziona</a:t>
+            </a:r>
+            <a:br>
+              <a:rPr lang="it-IT" dirty="0"/>
+            </a:br>
+            <a:endParaRPr lang="it-IT" dirty="0"/>
+          </a:p>
+          <a:p>
+            <a:pPr marL="285750" indent="-285750">
+              <a:buFont typeface="Arial" panose="020B0604020202020204" pitchFamily="34" charset="0"/>
+              <a:buChar char="•"/>
+            </a:pPr>
+            <a:r>
+              <a:rPr lang="it-IT" dirty="0"/>
+              <a:t>Esigenze del team</a:t>
+            </a:r>
+            <a:br>
+              <a:rPr lang="it-IT" dirty="0"/>
+            </a:br>
+            <a:endParaRPr lang="it-IT" dirty="0"/>
+          </a:p>
+          <a:p>
+            <a:pPr marL="285750" indent="-285750">
+              <a:buFont typeface="Arial" panose="020B0604020202020204" pitchFamily="34" charset="0"/>
+              <a:buChar char="•"/>
+            </a:pPr>
+            <a:r>
+              <a:rPr lang="it-IT" dirty="0"/>
+              <a:t>Codice pronto a ogni riunione</a:t>
             </a:r>
           </a:p>
         </p:txBody>
       </p:sp>
       <p:sp>
         <p:nvSpPr>
-          <p:cNvPr id="4" name="Rettangolo 3"/>
-          <p:cNvSpPr/>
+          <p:cNvPr id="3" name="Segnaposto testo 2"/>
+          <p:cNvSpPr>
+            <a:spLocks noGrp="1"/>
+          </p:cNvSpPr>
+          <p:nvPr>
+            <p:ph type="body" sz="quarter" idx="14"/>
+          </p:nvPr>
+        </p:nvSpPr>
+        <p:spPr>
+          <a:xfrm>
+            <a:off x="323528" y="548680"/>
+            <a:ext cx="7848872" cy="929048"/>
+          </a:xfrm>
+        </p:spPr>
+        <p:txBody>
+          <a:bodyPr/>
+          <a:lstStyle/>
+          <a:p>
+            <a:r>
+              <a:rPr lang="it-IT" dirty="0"/>
+              <a:t>Conclusioni</a:t>
+            </a:r>
+          </a:p>
+        </p:txBody>
+      </p:sp>
+      <p:sp>
+        <p:nvSpPr>
+          <p:cNvPr id="5" name="Segnaposto testo 1">
+            <a:extLst>
+              <a:ext uri="{FF2B5EF4-FFF2-40B4-BE49-F238E27FC236}">
+                <a16:creationId xmlns:a16="http://schemas.microsoft.com/office/drawing/2014/main" id="{01E07111-5B1C-4144-A365-505AA2634658}"/>
+              </a:ext>
+            </a:extLst>
+          </p:cNvPr>
+          <p:cNvSpPr txBox="1">
+            <a:spLocks/>
+          </p:cNvSpPr>
           <p:nvPr/>
         </p:nvSpPr>
         <p:spPr>
           <a:xfrm>
-            <a:off x="4355976" y="2371293"/>
-            <a:ext cx="3816424" cy="4176464"/>
+            <a:off x="4572000" y="1988840"/>
+            <a:ext cx="4032448" cy="5150668"/>
           </a:xfrm>
           <a:prstGeom prst="rect">
             <a:avLst/>
           </a:prstGeom>
-          <a:solidFill>
-            <a:schemeClr val="bg2">
-              <a:lumMod val="85000"/>
-            </a:schemeClr>
-          </a:solidFill>
-          <a:ln>
-            <a:noFill/>
-          </a:ln>
-          <a:effectLst/>
         </p:spPr>
-        <p:style>
-          <a:lnRef idx="1">
-            <a:schemeClr val="accent1"/>
-          </a:lnRef>
-          <a:fillRef idx="3">
-            <a:schemeClr val="accent1"/>
-          </a:fillRef>
-          <a:effectRef idx="2">
-            <a:schemeClr val="accent1"/>
-          </a:effectRef>
-          <a:fontRef idx="minor">
-            <a:schemeClr val="lt1"/>
-          </a:fontRef>
-        </p:style>
         <p:txBody>
-          <a:bodyPr rtlCol="0" anchor="ctr"/>
-          <a:lstStyle/>
+          <a:bodyPr lIns="0" tIns="0" rIns="0" bIns="0"/>
+          <a:lstStyle>
+            <a:lvl1pPr marL="0" marR="0" indent="0" algn="l" defTabSz="457200" rtl="0" eaLnBrk="0" fontAlgn="base" latinLnBrk="0" hangingPunct="0">
+              <a:lnSpc>
+                <a:spcPct val="100000"/>
+              </a:lnSpc>
+              <a:spcBef>
+                <a:spcPct val="20000"/>
+              </a:spcBef>
+              <a:spcAft>
+                <a:spcPct val="0"/>
+              </a:spcAft>
+              <a:buClrTx/>
+              <a:buSzTx/>
+              <a:buFont typeface="Arial" charset="0"/>
+              <a:buNone/>
+              <a:tabLst/>
+              <a:defRPr sz="1400" u="none" kern="1200" baseline="0">
+                <a:solidFill>
+                  <a:schemeClr val="tx1"/>
+                </a:solidFill>
+                <a:latin typeface="+mn-lt"/>
+                <a:ea typeface="ＭＳ Ｐゴシック" pitchFamily="-128" charset="-128"/>
+                <a:cs typeface="ＭＳ Ｐゴシック" pitchFamily="-128" charset="-128"/>
+              </a:defRPr>
+            </a:lvl1pPr>
+            <a:lvl2pPr marL="742950" indent="-285750" algn="l" defTabSz="457200" rtl="0" eaLnBrk="1" fontAlgn="base" hangingPunct="1">
+              <a:spcBef>
+                <a:spcPct val="20000"/>
+              </a:spcBef>
+              <a:spcAft>
+                <a:spcPct val="0"/>
+              </a:spcAft>
+              <a:buFont typeface="Arial" charset="0"/>
+              <a:buChar char="–"/>
+              <a:defRPr sz="2800" kern="1200">
+                <a:solidFill>
+                  <a:schemeClr val="tx1"/>
+                </a:solidFill>
+                <a:latin typeface="+mn-lt"/>
+                <a:ea typeface="ＭＳ Ｐゴシック" pitchFamily="-128" charset="-128"/>
+                <a:cs typeface="+mn-cs"/>
+              </a:defRPr>
+            </a:lvl2pPr>
+            <a:lvl3pPr marL="1143000" indent="-228600" algn="l" defTabSz="457200" rtl="0" eaLnBrk="1" fontAlgn="base" hangingPunct="1">
+              <a:spcBef>
+                <a:spcPct val="20000"/>
+              </a:spcBef>
+              <a:spcAft>
+                <a:spcPct val="0"/>
+              </a:spcAft>
+              <a:buFont typeface="Arial" charset="0"/>
+              <a:buChar char="•"/>
+              <a:defRPr sz="2400" kern="1200">
+                <a:solidFill>
+                  <a:schemeClr val="tx1"/>
+                </a:solidFill>
+                <a:latin typeface="+mn-lt"/>
+                <a:ea typeface="ＭＳ Ｐゴシック" pitchFamily="-128" charset="-128"/>
+                <a:cs typeface="+mn-cs"/>
+              </a:defRPr>
+            </a:lvl3pPr>
+            <a:lvl4pPr marL="1600200" indent="-228600" algn="l" defTabSz="457200" rtl="0" eaLnBrk="1" fontAlgn="base" hangingPunct="1">
+              <a:spcBef>
+                <a:spcPct val="20000"/>
+              </a:spcBef>
+              <a:spcAft>
+                <a:spcPct val="0"/>
+              </a:spcAft>
+              <a:buFont typeface="Arial" charset="0"/>
+              <a:buChar char="–"/>
+              <a:defRPr sz="2000" kern="1200">
+                <a:solidFill>
+                  <a:schemeClr val="tx1"/>
+                </a:solidFill>
+                <a:latin typeface="+mn-lt"/>
+                <a:ea typeface="ＭＳ Ｐゴシック" pitchFamily="-128" charset="-128"/>
+                <a:cs typeface="+mn-cs"/>
+              </a:defRPr>
+            </a:lvl4pPr>
+            <a:lvl5pPr marL="2057400" indent="-228600" algn="l" defTabSz="457200" rtl="0" eaLnBrk="1" fontAlgn="base" hangingPunct="1">
+              <a:spcBef>
+                <a:spcPct val="20000"/>
+              </a:spcBef>
+              <a:spcAft>
+                <a:spcPct val="0"/>
+              </a:spcAft>
+              <a:buFont typeface="Arial" charset="0"/>
+              <a:buChar char="»"/>
+              <a:defRPr sz="2000" kern="1200">
+                <a:solidFill>
+                  <a:schemeClr val="tx1"/>
+                </a:solidFill>
+                <a:latin typeface="+mn-lt"/>
+                <a:ea typeface="ＭＳ Ｐゴシック" pitchFamily="-128" charset="-128"/>
+                <a:cs typeface="+mn-cs"/>
+              </a:defRPr>
+            </a:lvl5pPr>
+            <a:lvl6pPr marL="2514600" indent="-228600" algn="l" defTabSz="457200" rtl="0" eaLnBrk="1" latinLnBrk="0" hangingPunct="1">
+              <a:spcBef>
+                <a:spcPct val="20000"/>
+              </a:spcBef>
+              <a:buFont typeface="Arial"/>
+              <a:buChar char="•"/>
+              <a:defRPr sz="2000" kern="1200">
+                <a:solidFill>
+                  <a:schemeClr val="tx1"/>
+                </a:solidFill>
+                <a:latin typeface="+mn-lt"/>
+                <a:ea typeface="+mn-ea"/>
+                <a:cs typeface="+mn-cs"/>
+              </a:defRPr>
+            </a:lvl6pPr>
+            <a:lvl7pPr marL="2971800" indent="-228600" algn="l" defTabSz="457200" rtl="0" eaLnBrk="1" latinLnBrk="0" hangingPunct="1">
+              <a:spcBef>
+                <a:spcPct val="20000"/>
+              </a:spcBef>
+              <a:buFont typeface="Arial"/>
+              <a:buChar char="•"/>
+              <a:defRPr sz="2000" kern="1200">
+                <a:solidFill>
+                  <a:schemeClr val="tx1"/>
+                </a:solidFill>
+                <a:latin typeface="+mn-lt"/>
+                <a:ea typeface="+mn-ea"/>
+                <a:cs typeface="+mn-cs"/>
+              </a:defRPr>
+            </a:lvl7pPr>
+            <a:lvl8pPr marL="3429000" indent="-228600" algn="l" defTabSz="457200" rtl="0" eaLnBrk="1" latinLnBrk="0" hangingPunct="1">
+              <a:spcBef>
+                <a:spcPct val="20000"/>
+              </a:spcBef>
+              <a:buFont typeface="Arial"/>
+              <a:buChar char="•"/>
+              <a:defRPr sz="2000" kern="1200">
+                <a:solidFill>
+                  <a:schemeClr val="tx1"/>
+                </a:solidFill>
+                <a:latin typeface="+mn-lt"/>
+                <a:ea typeface="+mn-ea"/>
+                <a:cs typeface="+mn-cs"/>
+              </a:defRPr>
+            </a:lvl8pPr>
+            <a:lvl9pPr marL="3886200" indent="-228600" algn="l" defTabSz="457200" rtl="0" eaLnBrk="1" latinLnBrk="0" hangingPunct="1">
+              <a:spcBef>
+                <a:spcPct val="20000"/>
+              </a:spcBef>
+              <a:buFont typeface="Arial"/>
+              <a:buChar char="•"/>
+              <a:defRPr sz="2000" kern="1200">
+                <a:solidFill>
+                  <a:schemeClr val="tx1"/>
+                </a:solidFill>
+                <a:latin typeface="+mn-lt"/>
+                <a:ea typeface="+mn-ea"/>
+                <a:cs typeface="+mn-cs"/>
+              </a:defRPr>
+            </a:lvl9pPr>
+          </a:lstStyle>
           <a:p>
-            <a:pPr algn="ctr"/>
-            <a:endParaRPr lang="it-IT"/>
+            <a:r>
+              <a:rPr lang="it-IT" dirty="0"/>
+              <a:t>Risultato personale</a:t>
+            </a:r>
+          </a:p>
+          <a:p>
+            <a:endParaRPr lang="it-IT" dirty="0"/>
+          </a:p>
+          <a:p>
+            <a:pPr marL="285750" indent="-285750">
+              <a:buFont typeface="Arial" panose="020B0604020202020204" pitchFamily="34" charset="0"/>
+              <a:buChar char="•"/>
+            </a:pPr>
+            <a:r>
+              <a:rPr lang="it-IT" dirty="0"/>
+              <a:t>Crescita lavorativa</a:t>
+            </a:r>
+            <a:br>
+              <a:rPr lang="it-IT" dirty="0"/>
+            </a:br>
+            <a:endParaRPr lang="it-IT" dirty="0"/>
+          </a:p>
+          <a:p>
+            <a:pPr marL="285750" indent="-285750">
+              <a:buFont typeface="Arial" panose="020B0604020202020204" pitchFamily="34" charset="0"/>
+              <a:buChar char="•"/>
+            </a:pPr>
+            <a:r>
+              <a:rPr lang="it-IT" dirty="0"/>
+              <a:t>Nuovo ambiente di sviluppo e linguaggio</a:t>
+            </a:r>
+            <a:br>
+              <a:rPr lang="it-IT" dirty="0"/>
+            </a:br>
+            <a:endParaRPr lang="it-IT" dirty="0"/>
+          </a:p>
+          <a:p>
+            <a:pPr marL="285750" indent="-285750">
+              <a:buFont typeface="Arial" panose="020B0604020202020204" pitchFamily="34" charset="0"/>
+              <a:buChar char="•"/>
+            </a:pPr>
+            <a:r>
+              <a:rPr lang="it-IT" dirty="0"/>
+              <a:t>Progetto reale</a:t>
+            </a:r>
+            <a:br>
+              <a:rPr lang="it-IT" dirty="0"/>
+            </a:br>
+            <a:endParaRPr lang="it-IT" dirty="0"/>
+          </a:p>
+          <a:p>
+            <a:pPr marL="285750" indent="-285750">
+              <a:buFont typeface="Arial" panose="020B0604020202020204" pitchFamily="34" charset="0"/>
+              <a:buChar char="•"/>
+            </a:pPr>
+            <a:r>
+              <a:rPr lang="it-IT" dirty="0"/>
+              <a:t>Metodologia di lavoro</a:t>
+            </a:r>
+            <a:br>
+              <a:rPr lang="it-IT" dirty="0"/>
+            </a:br>
+            <a:endParaRPr lang="it-IT" dirty="0"/>
+          </a:p>
+          <a:p>
+            <a:pPr marL="285750" indent="-285750">
+              <a:buFont typeface="Arial" panose="020B0604020202020204" pitchFamily="34" charset="0"/>
+              <a:buChar char="•"/>
+            </a:pPr>
+            <a:r>
+              <a:rPr lang="it-IT" dirty="0"/>
+              <a:t>Esperienza del relatore</a:t>
+            </a:r>
           </a:p>
         </p:txBody>
       </p:sp>
@@ -7427,7 +8581,65 @@
 </p:sld>
 </file>
 
-<file path=ppt/slides/slide15.xml><?xml version="1.0" encoding="utf-8"?>
+<file path=ppt/slides/slide16.xml><?xml version="1.0" encoding="utf-8"?>
+<p:sld xmlns:a="http://schemas.openxmlformats.org/drawingml/2006/main" xmlns:r="http://schemas.openxmlformats.org/officeDocument/2006/relationships" xmlns:p="http://schemas.openxmlformats.org/presentationml/2006/main">
+  <p:cSld>
+    <p:spTree>
+      <p:nvGrpSpPr>
+        <p:cNvPr id="1" name=""/>
+        <p:cNvGrpSpPr/>
+        <p:nvPr/>
+      </p:nvGrpSpPr>
+      <p:grpSpPr>
+        <a:xfrm>
+          <a:off x="0" y="0"/>
+          <a:ext cx="0" cy="0"/>
+          <a:chOff x="0" y="0"/>
+          <a:chExt cx="0" cy="0"/>
+        </a:xfrm>
+      </p:grpSpPr>
+      <p:sp>
+        <p:nvSpPr>
+          <p:cNvPr id="3" name="Segnaposto testo 2"/>
+          <p:cNvSpPr>
+            <a:spLocks noGrp="1"/>
+          </p:cNvSpPr>
+          <p:nvPr>
+            <p:ph type="body" sz="quarter" idx="14"/>
+          </p:nvPr>
+        </p:nvSpPr>
+        <p:spPr>
+          <a:xfrm>
+            <a:off x="539552" y="2964476"/>
+            <a:ext cx="7848872" cy="929048"/>
+          </a:xfrm>
+        </p:spPr>
+        <p:txBody>
+          <a:bodyPr/>
+          <a:lstStyle/>
+          <a:p>
+            <a:pPr algn="ctr"/>
+            <a:r>
+              <a:rPr lang="it-IT" dirty="0"/>
+              <a:t>Demo</a:t>
+            </a:r>
+          </a:p>
+        </p:txBody>
+      </p:sp>
+    </p:spTree>
+    <p:extLst>
+      <p:ext uri="{BB962C8B-B14F-4D97-AF65-F5344CB8AC3E}">
+        <p14:creationId xmlns:p14="http://schemas.microsoft.com/office/powerpoint/2010/main" val="1121761942"/>
+      </p:ext>
+    </p:extLst>
+  </p:cSld>
+  <p:clrMapOvr>
+    <a:masterClrMapping/>
+  </p:clrMapOvr>
+</p:sld>
+</file>
+
+<file path=ppt/slides/slide17.xml><?xml version="1.0" encoding="utf-8"?>
 <p:sld xmlns:a="http://schemas.openxmlformats.org/drawingml/2006/main" xmlns:r="http://schemas.openxmlformats.org/officeDocument/2006/relationships" xmlns:p="http://schemas.openxmlformats.org/presentationml/2006/main">
   <p:cSld>
     <p:spTree>
@@ -7542,12 +8754,94 @@
             <p:ph type="body" sz="quarter" idx="13"/>
           </p:nvPr>
         </p:nvSpPr>
-        <p:spPr/>
+        <p:spPr>
+          <a:xfrm>
+            <a:off x="1619672" y="2420888"/>
+            <a:ext cx="5688632" cy="4248472"/>
+          </a:xfrm>
+        </p:spPr>
         <p:txBody>
           <a:bodyPr/>
           <a:lstStyle/>
           <a:p>
-            <a:endParaRPr lang="it-IT" dirty="0"/>
+            <a:pPr marL="285750" indent="-285750">
+              <a:buFont typeface="Arial" panose="020B0604020202020204" pitchFamily="34" charset="0"/>
+              <a:buChar char="•"/>
+            </a:pPr>
+            <a:r>
+              <a:rPr lang="it-IT" sz="1800" dirty="0"/>
+              <a:t>Il progetto in breve</a:t>
+            </a:r>
+            <a:br>
+              <a:rPr lang="it-IT" sz="1800" dirty="0"/>
+            </a:br>
+            <a:endParaRPr lang="it-IT" sz="1800" dirty="0"/>
+          </a:p>
+          <a:p>
+            <a:pPr marL="285750" indent="-285750">
+              <a:buFont typeface="Arial" panose="020B0604020202020204" pitchFamily="34" charset="0"/>
+              <a:buChar char="•"/>
+            </a:pPr>
+            <a:r>
+              <a:rPr lang="it-IT" sz="1800" dirty="0"/>
+              <a:t>Strumenti di sviluppo</a:t>
+            </a:r>
+            <a:br>
+              <a:rPr lang="it-IT" sz="1800" dirty="0"/>
+            </a:br>
+            <a:endParaRPr lang="it-IT" sz="1800" dirty="0"/>
+          </a:p>
+          <a:p>
+            <a:pPr marL="285750" indent="-285750">
+              <a:buFont typeface="Arial" panose="020B0604020202020204" pitchFamily="34" charset="0"/>
+              <a:buChar char="•"/>
+            </a:pPr>
+            <a:r>
+              <a:rPr lang="it-IT" sz="1800" dirty="0"/>
+              <a:t>Richieste</a:t>
+            </a:r>
+            <a:br>
+              <a:rPr lang="it-IT" sz="1800" dirty="0"/>
+            </a:br>
+            <a:endParaRPr lang="it-IT" sz="1800" dirty="0"/>
+          </a:p>
+          <a:p>
+            <a:pPr marL="285750" indent="-285750">
+              <a:buFont typeface="Arial" panose="020B0604020202020204" pitchFamily="34" charset="0"/>
+              <a:buChar char="•"/>
+            </a:pPr>
+            <a:r>
+              <a:rPr lang="it-IT" sz="1800" dirty="0"/>
+              <a:t>Il risultato</a:t>
+            </a:r>
+            <a:br>
+              <a:rPr lang="it-IT" sz="1800" dirty="0"/>
+            </a:br>
+            <a:endParaRPr lang="it-IT" sz="1800" dirty="0"/>
+          </a:p>
+          <a:p>
+            <a:pPr marL="285750" indent="-285750">
+              <a:buFont typeface="Arial" panose="020B0604020202020204" pitchFamily="34" charset="0"/>
+              <a:buChar char="•"/>
+            </a:pPr>
+            <a:r>
+              <a:rPr lang="it-IT" sz="1800" dirty="0"/>
+              <a:t>Il futuro</a:t>
+            </a:r>
+            <a:br>
+              <a:rPr lang="it-IT" sz="1800" dirty="0"/>
+            </a:br>
+            <a:endParaRPr lang="it-IT" sz="1800" dirty="0"/>
+          </a:p>
+          <a:p>
+            <a:pPr marL="285750" indent="-285750">
+              <a:buFont typeface="Arial" panose="020B0604020202020204" pitchFamily="34" charset="0"/>
+              <a:buChar char="•"/>
+            </a:pPr>
+            <a:r>
+              <a:rPr lang="it-IT" sz="1800" dirty="0"/>
+              <a:t>Conclusioni</a:t>
+            </a:r>
           </a:p>
         </p:txBody>
       </p:sp>
@@ -7570,53 +8864,6 @@
               <a:rPr lang="it-IT" dirty="0"/>
               <a:t>Contenuti</a:t>
             </a:r>
-          </a:p>
-        </p:txBody>
-      </p:sp>
-      <p:sp>
-        <p:nvSpPr>
-          <p:cNvPr id="4" name="Rettangolo 3"/>
-          <p:cNvSpPr/>
-          <p:nvPr/>
-        </p:nvSpPr>
-        <p:spPr>
-          <a:xfrm>
-            <a:off x="4355976" y="2371293"/>
-            <a:ext cx="3816424" cy="4176464"/>
-          </a:xfrm>
-          <a:prstGeom prst="rect">
-            <a:avLst/>
-          </a:prstGeom>
-          <a:solidFill>
-            <a:schemeClr val="bg2">
-              <a:lumMod val="85000"/>
-            </a:schemeClr>
-          </a:solidFill>
-          <a:ln>
-            <a:noFill/>
-          </a:ln>
-          <a:effectLst/>
-        </p:spPr>
-        <p:style>
-          <a:lnRef idx="1">
-            <a:schemeClr val="accent1"/>
-          </a:lnRef>
-          <a:fillRef idx="3">
-            <a:schemeClr val="accent1"/>
-          </a:fillRef>
-          <a:effectRef idx="2">
-            <a:schemeClr val="accent1"/>
-          </a:effectRef>
-          <a:fontRef idx="minor">
-            <a:schemeClr val="lt1"/>
-          </a:fontRef>
-        </p:style>
-        <p:txBody>
-          <a:bodyPr rtlCol="0" anchor="ctr"/>
-          <a:lstStyle/>
-          <a:p>
-            <a:pPr algn="ctr"/>
-            <a:endParaRPr lang="it-IT"/>
           </a:p>
         </p:txBody>
       </p:sp>
@@ -7672,7 +8919,7 @@
           <a:p>
             <a:pPr algn="just">
               <a:lnSpc>
-                <a:spcPct val="120000"/>
+                <a:spcPct val="115000"/>
               </a:lnSpc>
             </a:pPr>
             <a:r>
@@ -7680,13 +8927,31 @@
                 <a:effectLst/>
                 <a:latin typeface="Arial" panose="020B0604020202020204" pitchFamily="34" charset="0"/>
                 <a:ea typeface="Cambria" panose="02040503050406030204" pitchFamily="18" charset="0"/>
-                <a:cs typeface="Times New Roman" panose="02020603050405020304" pitchFamily="18" charset="0"/>
+                <a:cs typeface="Arial" panose="020B0604020202020204" pitchFamily="34" charset="0"/>
               </a:rPr>
-              <a:t>Il prodotto è un applicativo grafico dedicato, Ground Control, che permette all’utilizzatore di visualizzare i dati raccolti degli esperimenti svolti sul processo di deposizione del titanio.[…]</a:t>
+              <a:t>Il progetto di ricerca “Ground Control” del fondo nazionale svizzero si è occupato di analizzare i parametri del processo di deposizione di metalli speciali (stampanti 3D) e di ottimizzarne il controllo. Per acquisire i dati del processo di deposizione vengono utilizzate telecamere imaging e termiche che forniscono immagini, pirometri per misurare temperature, e macchine CN che forniscono i dati della macchina (posizioni dei motori, potenza laser, </a:t>
+            </a:r>
+            <a:r>
+              <a:rPr lang="it-CH" dirty="0" err="1">
+                <a:effectLst/>
+                <a:latin typeface="Arial" panose="020B0604020202020204" pitchFamily="34" charset="0"/>
+                <a:ea typeface="Cambria" panose="02040503050406030204" pitchFamily="18" charset="0"/>
+                <a:cs typeface="Arial" panose="020B0604020202020204" pitchFamily="34" charset="0"/>
+              </a:rPr>
+              <a:t>ecc</a:t>
+            </a:r>
+            <a:r>
+              <a:rPr lang="it-CH" dirty="0">
+                <a:effectLst/>
+                <a:latin typeface="Arial" panose="020B0604020202020204" pitchFamily="34" charset="0"/>
+                <a:ea typeface="Cambria" panose="02040503050406030204" pitchFamily="18" charset="0"/>
+                <a:cs typeface="Arial" panose="020B0604020202020204" pitchFamily="34" charset="0"/>
+              </a:rPr>
+              <a:t>). </a:t>
             </a:r>
             <a:endParaRPr lang="it-CH" dirty="0">
               <a:effectLst/>
-              <a:latin typeface="Cambria" panose="02040503050406030204" pitchFamily="18" charset="0"/>
+              <a:latin typeface="Arial" panose="020B0604020202020204" pitchFamily="34" charset="0"/>
               <a:ea typeface="Cambria" panose="02040503050406030204" pitchFamily="18" charset="0"/>
               <a:cs typeface="Times New Roman" panose="02020603050405020304" pitchFamily="18" charset="0"/>
             </a:endParaRPr>
@@ -7694,7 +8959,7 @@
           <a:p>
             <a:pPr algn="just">
               <a:lnSpc>
-                <a:spcPct val="120000"/>
+                <a:spcPct val="115000"/>
               </a:lnSpc>
             </a:pPr>
             <a:r>
@@ -7702,13 +8967,67 @@
                 <a:effectLst/>
                 <a:latin typeface="Arial" panose="020B0604020202020204" pitchFamily="34" charset="0"/>
                 <a:ea typeface="Cambria" panose="02040503050406030204" pitchFamily="18" charset="0"/>
-                <a:cs typeface="Times New Roman" panose="02020603050405020304" pitchFamily="18" charset="0"/>
+                <a:cs typeface="Arial" panose="020B0604020202020204" pitchFamily="34" charset="0"/>
               </a:rPr>
-              <a:t>L’obiettivo del software è offrire all’utente un’alternativa più funzionale alla consultazione dei risultati sul file system, […]</a:t>
+              <a:t>L’obiettivo del progetto di semestre è stato di sviluppare un nuovo applicativo desktop in grado di visualizzare in modo organizzato i dati acquisiti. I dati vengono acquisiti da un altro applicativo, ed organizzati per “</a:t>
+            </a:r>
+            <a:r>
+              <a:rPr lang="it-CH" dirty="0" err="1">
+                <a:effectLst/>
+                <a:latin typeface="Arial" panose="020B0604020202020204" pitchFamily="34" charset="0"/>
+                <a:ea typeface="Cambria" panose="02040503050406030204" pitchFamily="18" charset="0"/>
+                <a:cs typeface="Arial" panose="020B0604020202020204" pitchFamily="34" charset="0"/>
+              </a:rPr>
+              <a:t>experiment</a:t>
+            </a:r>
+            <a:r>
+              <a:rPr lang="it-CH" dirty="0">
+                <a:effectLst/>
+                <a:latin typeface="Arial" panose="020B0604020202020204" pitchFamily="34" charset="0"/>
+                <a:ea typeface="Cambria" panose="02040503050406030204" pitchFamily="18" charset="0"/>
+                <a:cs typeface="Arial" panose="020B0604020202020204" pitchFamily="34" charset="0"/>
+              </a:rPr>
+              <a:t>”, il quale </a:t>
+            </a:r>
+            <a:r>
+              <a:rPr lang="it-CH" dirty="0" err="1">
+                <a:effectLst/>
+                <a:latin typeface="Arial" panose="020B0604020202020204" pitchFamily="34" charset="0"/>
+                <a:ea typeface="Cambria" panose="02040503050406030204" pitchFamily="18" charset="0"/>
+                <a:cs typeface="Arial" panose="020B0604020202020204" pitchFamily="34" charset="0"/>
+              </a:rPr>
+              <a:t>puo’</a:t>
+            </a:r>
+            <a:r>
+              <a:rPr lang="it-CH" dirty="0">
+                <a:effectLst/>
+                <a:latin typeface="Arial" panose="020B0604020202020204" pitchFamily="34" charset="0"/>
+                <a:ea typeface="Cambria" panose="02040503050406030204" pitchFamily="18" charset="0"/>
+                <a:cs typeface="Arial" panose="020B0604020202020204" pitchFamily="34" charset="0"/>
+              </a:rPr>
+              <a:t> contenere una o </a:t>
+            </a:r>
+            <a:r>
+              <a:rPr lang="it-CH" dirty="0" err="1">
+                <a:effectLst/>
+                <a:latin typeface="Arial" panose="020B0604020202020204" pitchFamily="34" charset="0"/>
+                <a:ea typeface="Cambria" panose="02040503050406030204" pitchFamily="18" charset="0"/>
+                <a:cs typeface="Arial" panose="020B0604020202020204" pitchFamily="34" charset="0"/>
+              </a:rPr>
+              <a:t>piu’</a:t>
+            </a:r>
+            <a:r>
+              <a:rPr lang="it-CH" dirty="0">
+                <a:effectLst/>
+                <a:latin typeface="Arial" panose="020B0604020202020204" pitchFamily="34" charset="0"/>
+                <a:ea typeface="Cambria" panose="02040503050406030204" pitchFamily="18" charset="0"/>
+                <a:cs typeface="Arial" panose="020B0604020202020204" pitchFamily="34" charset="0"/>
+              </a:rPr>
+              <a:t> “deposizioni” (stampe 3D), che a loro volta contengono i dati (immagini, temperature, dati della macchina CN).</a:t>
             </a:r>
             <a:endParaRPr lang="it-CH" dirty="0">
               <a:effectLst/>
-              <a:latin typeface="Cambria" panose="02040503050406030204" pitchFamily="18" charset="0"/>
+              <a:latin typeface="Arial" panose="020B0604020202020204" pitchFamily="34" charset="0"/>
               <a:ea typeface="Cambria" panose="02040503050406030204" pitchFamily="18" charset="0"/>
               <a:cs typeface="Times New Roman" panose="02020603050405020304" pitchFamily="18" charset="0"/>
             </a:endParaRPr>
@@ -7716,7 +9035,7 @@
           <a:p>
             <a:pPr algn="just">
               <a:lnSpc>
-                <a:spcPct val="120000"/>
+                <a:spcPct val="115000"/>
               </a:lnSpc>
             </a:pPr>
             <a:r>
@@ -7724,13 +9043,13 @@
                 <a:effectLst/>
                 <a:latin typeface="Arial" panose="020B0604020202020204" pitchFamily="34" charset="0"/>
                 <a:ea typeface="Cambria" panose="02040503050406030204" pitchFamily="18" charset="0"/>
-                <a:cs typeface="Times New Roman" panose="02020603050405020304" pitchFamily="18" charset="0"/>
+                <a:cs typeface="Arial" panose="020B0604020202020204" pitchFamily="34" charset="0"/>
               </a:rPr>
               <a:t> </a:t>
             </a:r>
             <a:endParaRPr lang="it-CH" dirty="0">
               <a:effectLst/>
-              <a:latin typeface="Cambria" panose="02040503050406030204" pitchFamily="18" charset="0"/>
+              <a:latin typeface="Arial" panose="020B0604020202020204" pitchFamily="34" charset="0"/>
               <a:ea typeface="Cambria" panose="02040503050406030204" pitchFamily="18" charset="0"/>
               <a:cs typeface="Times New Roman" panose="02020603050405020304" pitchFamily="18" charset="0"/>
             </a:endParaRPr>
@@ -7738,7 +9057,7 @@
           <a:p>
             <a:pPr algn="just">
               <a:lnSpc>
-                <a:spcPct val="120000"/>
+                <a:spcPct val="115000"/>
               </a:lnSpc>
             </a:pPr>
             <a:r>
@@ -7746,13 +9065,67 @@
                 <a:effectLst/>
                 <a:latin typeface="Arial" panose="020B0604020202020204" pitchFamily="34" charset="0"/>
                 <a:ea typeface="Cambria" panose="02040503050406030204" pitchFamily="18" charset="0"/>
-                <a:cs typeface="Times New Roman" panose="02020603050405020304" pitchFamily="18" charset="0"/>
+                <a:cs typeface="Arial" panose="020B0604020202020204" pitchFamily="34" charset="0"/>
               </a:rPr>
-              <a:t>Con la soluzione sviluppata nel progetto i confronti, le ricerche, l’aggiunta e la modifica delle informazioni sull’esperimento (immagine di provino e commento), la compressione in file zip di esperimenti e deposizioni, e altro ancora, sono tutte operazioni integrate in essa.</a:t>
+              <a:t>Utilizzando il nuovo applicativo in modalità offline, l’utilizzatore deve poter selezionare ed aprire uno o </a:t>
+            </a:r>
+            <a:r>
+              <a:rPr lang="it-CH" dirty="0" err="1">
+                <a:effectLst/>
+                <a:latin typeface="Arial" panose="020B0604020202020204" pitchFamily="34" charset="0"/>
+                <a:ea typeface="Cambria" panose="02040503050406030204" pitchFamily="18" charset="0"/>
+                <a:cs typeface="Arial" panose="020B0604020202020204" pitchFamily="34" charset="0"/>
+              </a:rPr>
+              <a:t>piu’</a:t>
+            </a:r>
+            <a:r>
+              <a:rPr lang="it-CH" dirty="0">
+                <a:effectLst/>
+                <a:latin typeface="Arial" panose="020B0604020202020204" pitchFamily="34" charset="0"/>
+                <a:ea typeface="Cambria" panose="02040503050406030204" pitchFamily="18" charset="0"/>
+                <a:cs typeface="Arial" panose="020B0604020202020204" pitchFamily="34" charset="0"/>
+              </a:rPr>
+              <a:t> “</a:t>
+            </a:r>
+            <a:r>
+              <a:rPr lang="it-CH" dirty="0" err="1">
+                <a:effectLst/>
+                <a:latin typeface="Arial" panose="020B0604020202020204" pitchFamily="34" charset="0"/>
+                <a:ea typeface="Cambria" panose="02040503050406030204" pitchFamily="18" charset="0"/>
+                <a:cs typeface="Arial" panose="020B0604020202020204" pitchFamily="34" charset="0"/>
+              </a:rPr>
+              <a:t>experiment</a:t>
+            </a:r>
+            <a:r>
+              <a:rPr lang="it-CH" dirty="0">
+                <a:effectLst/>
+                <a:latin typeface="Arial" panose="020B0604020202020204" pitchFamily="34" charset="0"/>
+                <a:ea typeface="Cambria" panose="02040503050406030204" pitchFamily="18" charset="0"/>
+                <a:cs typeface="Arial" panose="020B0604020202020204" pitchFamily="34" charset="0"/>
+              </a:rPr>
+              <a:t>” o “</a:t>
+            </a:r>
+            <a:r>
+              <a:rPr lang="it-CH" dirty="0" err="1">
+                <a:effectLst/>
+                <a:latin typeface="Arial" panose="020B0604020202020204" pitchFamily="34" charset="0"/>
+                <a:ea typeface="Cambria" panose="02040503050406030204" pitchFamily="18" charset="0"/>
+                <a:cs typeface="Arial" panose="020B0604020202020204" pitchFamily="34" charset="0"/>
+              </a:rPr>
+              <a:t>deposition</a:t>
+            </a:r>
+            <a:r>
+              <a:rPr lang="it-CH" dirty="0">
+                <a:effectLst/>
+                <a:latin typeface="Arial" panose="020B0604020202020204" pitchFamily="34" charset="0"/>
+                <a:ea typeface="Cambria" panose="02040503050406030204" pitchFamily="18" charset="0"/>
+                <a:cs typeface="Arial" panose="020B0604020202020204" pitchFamily="34" charset="0"/>
+              </a:rPr>
+              <a:t>”, e visualizzare e paragonare i dati, o esportarli in formato compresso. Deve essere possibile cancellare sia esperimenti che deposizioni, ed aggiungere commenti ed immagini del provino 3D stampato. </a:t>
             </a:r>
             <a:endParaRPr lang="it-CH" dirty="0">
               <a:effectLst/>
-              <a:latin typeface="Cambria" panose="02040503050406030204" pitchFamily="18" charset="0"/>
+              <a:latin typeface="Arial" panose="020B0604020202020204" pitchFamily="34" charset="0"/>
               <a:ea typeface="Cambria" panose="02040503050406030204" pitchFamily="18" charset="0"/>
               <a:cs typeface="Times New Roman" panose="02020603050405020304" pitchFamily="18" charset="0"/>
             </a:endParaRPr>
@@ -7760,7 +9133,7 @@
           <a:p>
             <a:pPr algn="just">
               <a:lnSpc>
-                <a:spcPct val="120000"/>
+                <a:spcPct val="115000"/>
               </a:lnSpc>
             </a:pPr>
             <a:r>
@@ -7768,107 +9141,55 @@
                 <a:effectLst/>
                 <a:latin typeface="Arial" panose="020B0604020202020204" pitchFamily="34" charset="0"/>
                 <a:ea typeface="Cambria" panose="02040503050406030204" pitchFamily="18" charset="0"/>
-                <a:cs typeface="Times New Roman" panose="02020603050405020304" pitchFamily="18" charset="0"/>
+                <a:cs typeface="Arial" panose="020B0604020202020204" pitchFamily="34" charset="0"/>
               </a:rPr>
-              <a:t> </a:t>
+              <a:t>In modalità online, l’operatore deve poter creare ed associare ad ogni </a:t>
+            </a:r>
+            <a:r>
+              <a:rPr lang="it-CH" dirty="0" err="1">
+                <a:effectLst/>
+                <a:latin typeface="Arial" panose="020B0604020202020204" pitchFamily="34" charset="0"/>
+                <a:ea typeface="Cambria" panose="02040503050406030204" pitchFamily="18" charset="0"/>
+                <a:cs typeface="Arial" panose="020B0604020202020204" pitchFamily="34" charset="0"/>
+              </a:rPr>
+              <a:t>experiment</a:t>
+            </a:r>
+            <a:r>
+              <a:rPr lang="it-CH" dirty="0">
+                <a:effectLst/>
+                <a:latin typeface="Arial" panose="020B0604020202020204" pitchFamily="34" charset="0"/>
+                <a:ea typeface="Cambria" panose="02040503050406030204" pitchFamily="18" charset="0"/>
+                <a:cs typeface="Arial" panose="020B0604020202020204" pitchFamily="34" charset="0"/>
+              </a:rPr>
+              <a:t> un insieme di setups, in cui ogni device ha il proprio setup. Le devices utilizzate sono le seguenti: telecamere, pirometri, versione di database e di software, </a:t>
+            </a:r>
+            <a:r>
+              <a:rPr lang="it-CH" dirty="0" err="1">
+                <a:effectLst/>
+                <a:latin typeface="Arial" panose="020B0604020202020204" pitchFamily="34" charset="0"/>
+                <a:ea typeface="Cambria" panose="02040503050406030204" pitchFamily="18" charset="0"/>
+                <a:cs typeface="Arial" panose="020B0604020202020204" pitchFamily="34" charset="0"/>
+              </a:rPr>
+              <a:t>GCode</a:t>
+            </a:r>
+            <a:r>
+              <a:rPr lang="it-CH" dirty="0">
+                <a:effectLst/>
+                <a:latin typeface="Arial" panose="020B0604020202020204" pitchFamily="34" charset="0"/>
+                <a:ea typeface="Cambria" panose="02040503050406030204" pitchFamily="18" charset="0"/>
+                <a:cs typeface="Arial" panose="020B0604020202020204" pitchFamily="34" charset="0"/>
+              </a:rPr>
+              <a:t> per la macchina CN, tipo di macchina CN.</a:t>
             </a:r>
             <a:endParaRPr lang="it-CH" dirty="0">
               <a:effectLst/>
-              <a:latin typeface="Cambria" panose="02040503050406030204" pitchFamily="18" charset="0"/>
+              <a:latin typeface="Arial" panose="020B0604020202020204" pitchFamily="34" charset="0"/>
               <a:ea typeface="Cambria" panose="02040503050406030204" pitchFamily="18" charset="0"/>
               <a:cs typeface="Times New Roman" panose="02020603050405020304" pitchFamily="18" charset="0"/>
             </a:endParaRPr>
           </a:p>
           <a:p>
-            <a:pPr algn="just">
-              <a:lnSpc>
-                <a:spcPct val="120000"/>
-              </a:lnSpc>
-            </a:pPr>
-            <a:r>
-              <a:rPr lang="it-CH" dirty="0">
-                <a:effectLst/>
-                <a:latin typeface="Arial" panose="020B0604020202020204" pitchFamily="34" charset="0"/>
-                <a:ea typeface="Cambria" panose="02040503050406030204" pitchFamily="18" charset="0"/>
-                <a:cs typeface="Times New Roman" panose="02020603050405020304" pitchFamily="18" charset="0"/>
-              </a:rPr>
-              <a:t>L’applicativo va a coprire la parte offline, […]</a:t>
-            </a:r>
-            <a:endParaRPr lang="it-CH" dirty="0">
-              <a:effectLst/>
-              <a:latin typeface="Cambria" panose="02040503050406030204" pitchFamily="18" charset="0"/>
-              <a:ea typeface="Cambria" panose="02040503050406030204" pitchFamily="18" charset="0"/>
-              <a:cs typeface="Times New Roman" panose="02020603050405020304" pitchFamily="18" charset="0"/>
-            </a:endParaRPr>
-          </a:p>
-          <a:p>
-            <a:pPr algn="just">
-              <a:lnSpc>
-                <a:spcPct val="120000"/>
-              </a:lnSpc>
-            </a:pPr>
-            <a:r>
-              <a:rPr lang="it-CH" dirty="0">
-                <a:effectLst/>
-                <a:latin typeface="Arial" panose="020B0604020202020204" pitchFamily="34" charset="0"/>
-                <a:ea typeface="Cambria" panose="02040503050406030204" pitchFamily="18" charset="0"/>
-                <a:cs typeface="Times New Roman" panose="02020603050405020304" pitchFamily="18" charset="0"/>
-              </a:rPr>
-              <a:t>In un momento successivo a questo lavoro l’applicativo andrà a coprire anche la parte online, legata alla creazione di nuovi esperimenti secondo specifiche configurazioni già esistenti o da specificare, alla visualizzazione dello status dei device impiegati, alla visualizzazione dei dati in tempo reale durante l’acquisizione e alla possibilità di decidere se attivare manualmente o automaticamente l’acquisizione dei dati.</a:t>
-            </a:r>
-            <a:endParaRPr lang="it-CH" dirty="0">
-              <a:effectLst/>
-              <a:latin typeface="Cambria" panose="02040503050406030204" pitchFamily="18" charset="0"/>
-              <a:ea typeface="Cambria" panose="02040503050406030204" pitchFamily="18" charset="0"/>
-              <a:cs typeface="Times New Roman" panose="02020603050405020304" pitchFamily="18" charset="0"/>
-            </a:endParaRPr>
-          </a:p>
-          <a:p>
-            <a:pPr algn="just">
-              <a:lnSpc>
-                <a:spcPct val="120000"/>
-              </a:lnSpc>
-            </a:pPr>
-            <a:r>
-              <a:rPr lang="it-CH" dirty="0">
-                <a:effectLst/>
-                <a:latin typeface="Arial" panose="020B0604020202020204" pitchFamily="34" charset="0"/>
-                <a:ea typeface="Cambria" panose="02040503050406030204" pitchFamily="18" charset="0"/>
-                <a:cs typeface="Times New Roman" panose="02020603050405020304" pitchFamily="18" charset="0"/>
-              </a:rPr>
-              <a:t> </a:t>
-            </a:r>
-            <a:endParaRPr lang="it-CH" dirty="0">
-              <a:effectLst/>
-              <a:latin typeface="Cambria" panose="02040503050406030204" pitchFamily="18" charset="0"/>
-              <a:ea typeface="Cambria" panose="02040503050406030204" pitchFamily="18" charset="0"/>
-              <a:cs typeface="Times New Roman" panose="02020603050405020304" pitchFamily="18" charset="0"/>
-            </a:endParaRPr>
-          </a:p>
-          <a:p>
-            <a:pPr algn="just">
-              <a:lnSpc>
-                <a:spcPct val="120000"/>
-              </a:lnSpc>
-            </a:pPr>
-            <a:r>
-              <a:rPr lang="it-CH" dirty="0">
-                <a:effectLst/>
-                <a:latin typeface="Arial" panose="020B0604020202020204" pitchFamily="34" charset="0"/>
-                <a:ea typeface="Cambria" panose="02040503050406030204" pitchFamily="18" charset="0"/>
-                <a:cs typeface="Times New Roman" panose="02020603050405020304" pitchFamily="18" charset="0"/>
-              </a:rPr>
-              <a:t>In futuro il prodotto andrà quindi a integrare e possibilmente a migliorare l’attuale applicativo “Data Set Builder” che si occupa della parte online.</a:t>
-            </a:r>
-            <a:endParaRPr lang="it-CH" dirty="0">
-              <a:effectLst/>
-              <a:latin typeface="Cambria" panose="02040503050406030204" pitchFamily="18" charset="0"/>
-              <a:ea typeface="Cambria" panose="02040503050406030204" pitchFamily="18" charset="0"/>
-              <a:cs typeface="Times New Roman" panose="02020603050405020304" pitchFamily="18" charset="0"/>
-            </a:endParaRPr>
-          </a:p>
-          <a:p>
-            <a:endParaRPr lang="it-IT" sz="1200" dirty="0"/>
+            <a:endParaRPr lang="it-IT" dirty="0"/>
           </a:p>
         </p:txBody>
       </p:sp>
@@ -8000,7 +9321,7 @@
         </p:blipFill>
         <p:spPr>
           <a:xfrm>
-            <a:off x="970282" y="2277728"/>
+            <a:off x="1014442" y="1857533"/>
             <a:ext cx="1008112" cy="960227"/>
           </a:xfrm>
           <a:prstGeom prst="rect">
@@ -8022,8 +9343,8 @@
         </p:nvSpPr>
         <p:spPr>
           <a:xfrm>
-            <a:off x="899592" y="3237955"/>
-            <a:ext cx="1152128" cy="338554"/>
+            <a:off x="943752" y="2817760"/>
+            <a:ext cx="1152128" cy="584775"/>
           </a:xfrm>
           <a:prstGeom prst="rect">
             <a:avLst/>
@@ -8040,6 +9361,13 @@
             <a:r>
               <a:rPr lang="it-CH" sz="1600" dirty="0"/>
               <a:t>Casi d’uso</a:t>
+            </a:r>
+          </a:p>
+          <a:p>
+            <a:pPr algn="ctr"/>
+            <a:r>
+              <a:rPr lang="it-CH" sz="1600" dirty="0"/>
+              <a:t>Visio 2019</a:t>
             </a:r>
           </a:p>
         </p:txBody>
@@ -8066,7 +9394,7 @@
         </p:blipFill>
         <p:spPr>
           <a:xfrm>
-            <a:off x="6516216" y="2277728"/>
+            <a:off x="6560376" y="1857533"/>
             <a:ext cx="1008112" cy="1008112"/>
           </a:xfrm>
           <a:prstGeom prst="rect">
@@ -8088,8 +9416,8 @@
         </p:nvSpPr>
         <p:spPr>
           <a:xfrm>
-            <a:off x="6444208" y="3259723"/>
-            <a:ext cx="1152128" cy="338554"/>
+            <a:off x="6344352" y="2839528"/>
+            <a:ext cx="1440160" cy="584775"/>
           </a:xfrm>
           <a:prstGeom prst="rect">
             <a:avLst/>
@@ -8108,6 +9436,17 @@
               <a:t>Mockup</a:t>
             </a:r>
             <a:endParaRPr lang="it-CH" sz="1600" dirty="0"/>
+          </a:p>
+          <a:p>
+            <a:pPr algn="ctr"/>
+            <a:r>
+              <a:rPr lang="it-CH" sz="1600" dirty="0" err="1"/>
+              <a:t>Pencil</a:t>
+            </a:r>
+            <a:r>
+              <a:rPr lang="it-CH" sz="1600" dirty="0"/>
+              <a:t> 3.1.0</a:t>
+            </a:r>
           </a:p>
         </p:txBody>
       </p:sp>
@@ -8133,7 +9472,7 @@
         </p:blipFill>
         <p:spPr>
           <a:xfrm>
-            <a:off x="2051720" y="4016006"/>
+            <a:off x="1783355" y="3869867"/>
             <a:ext cx="1700808" cy="1700808"/>
           </a:xfrm>
           <a:prstGeom prst="rect">
@@ -8155,8 +9494,8 @@
         </p:nvSpPr>
         <p:spPr>
           <a:xfrm>
-            <a:off x="2051720" y="5797115"/>
-            <a:ext cx="1700808" cy="584775"/>
+            <a:off x="1135282" y="5650976"/>
+            <a:ext cx="2958303" cy="584775"/>
           </a:xfrm>
           <a:prstGeom prst="rect">
             <a:avLst/>
@@ -8172,7 +9511,14 @@
             <a:pPr algn="ctr"/>
             <a:r>
               <a:rPr lang="it-CH" sz="1600" dirty="0"/>
-              <a:t>Ambiente di sviluppo</a:t>
+              <a:t>IDE</a:t>
+            </a:r>
+          </a:p>
+          <a:p>
+            <a:pPr algn="ctr"/>
+            <a:r>
+              <a:rPr lang="it-CH" sz="1600" dirty="0"/>
+              <a:t>Visual Studio Enterprise 2019</a:t>
             </a:r>
           </a:p>
         </p:txBody>
@@ -8199,7 +9545,7 @@
         </p:blipFill>
         <p:spPr>
           <a:xfrm>
-            <a:off x="4361951" y="4057036"/>
+            <a:off x="4721763" y="3910897"/>
             <a:ext cx="2213037" cy="1659778"/>
           </a:xfrm>
           <a:prstGeom prst="rect">
@@ -8221,8 +9567,8 @@
         </p:nvSpPr>
         <p:spPr>
           <a:xfrm>
-            <a:off x="4618065" y="5797114"/>
-            <a:ext cx="1700808" cy="584775"/>
+            <a:off x="4847098" y="5646412"/>
+            <a:ext cx="1956922" cy="584775"/>
           </a:xfrm>
           <a:prstGeom prst="rect">
             <a:avLst/>
@@ -8238,7 +9584,14 @@
             <a:pPr algn="ctr"/>
             <a:r>
               <a:rPr lang="it-CH" sz="1600" dirty="0"/>
-              <a:t>Codice e WPF (GUI)</a:t>
+              <a:t>Codice e WPF</a:t>
+            </a:r>
+          </a:p>
+          <a:p>
+            <a:pPr algn="ctr"/>
+            <a:r>
+              <a:rPr lang="it-CH" sz="1600" dirty="0"/>
+              <a:t>C#8.0 e .NET 4.8.0</a:t>
             </a:r>
           </a:p>
         </p:txBody>
@@ -8257,6 +9610,438 @@
 </file>
 
 <file path=ppt/slides/slide5.xml><?xml version="1.0" encoding="utf-8"?>
+<p:sld xmlns:a="http://schemas.openxmlformats.org/drawingml/2006/main" xmlns:r="http://schemas.openxmlformats.org/officeDocument/2006/relationships" xmlns:p="http://schemas.openxmlformats.org/presentationml/2006/main">
+  <p:cSld>
+    <p:spTree>
+      <p:nvGrpSpPr>
+        <p:cNvPr id="1" name=""/>
+        <p:cNvGrpSpPr/>
+        <p:nvPr/>
+      </p:nvGrpSpPr>
+      <p:grpSpPr>
+        <a:xfrm>
+          <a:off x="0" y="0"/>
+          <a:ext cx="0" cy="0"/>
+          <a:chOff x="0" y="0"/>
+          <a:chExt cx="0" cy="0"/>
+        </a:xfrm>
+      </p:grpSpPr>
+      <p:sp>
+        <p:nvSpPr>
+          <p:cNvPr id="2" name="Segnaposto testo 1"/>
+          <p:cNvSpPr>
+            <a:spLocks noGrp="1"/>
+          </p:cNvSpPr>
+          <p:nvPr>
+            <p:ph type="body" sz="quarter" idx="13"/>
+          </p:nvPr>
+        </p:nvSpPr>
+        <p:spPr>
+          <a:xfrm>
+            <a:off x="431540" y="2204864"/>
+            <a:ext cx="3816424" cy="4358580"/>
+          </a:xfrm>
+        </p:spPr>
+        <p:txBody>
+          <a:bodyPr/>
+          <a:lstStyle/>
+          <a:p>
+            <a:endParaRPr lang="it-IT" dirty="0"/>
+          </a:p>
+          <a:p>
+            <a:endParaRPr lang="it-IT" dirty="0"/>
+          </a:p>
+          <a:p>
+            <a:endParaRPr lang="it-IT" dirty="0"/>
+          </a:p>
+          <a:p>
+            <a:pPr marL="285750" indent="-285750">
+              <a:buFont typeface="Arial" panose="020B0604020202020204" pitchFamily="34" charset="0"/>
+              <a:buChar char="•"/>
+            </a:pPr>
+            <a:r>
+              <a:rPr lang="it-IT" sz="2000" dirty="0"/>
+              <a:t>Esperimenti</a:t>
+            </a:r>
+          </a:p>
+          <a:p>
+            <a:pPr marL="285750" indent="-285750">
+              <a:buFont typeface="Arial" panose="020B0604020202020204" pitchFamily="34" charset="0"/>
+              <a:buChar char="•"/>
+            </a:pPr>
+            <a:r>
+              <a:rPr lang="it-IT" sz="2000" dirty="0"/>
+              <a:t>Deposizioni</a:t>
+            </a:r>
+          </a:p>
+          <a:p>
+            <a:pPr marL="285750" indent="-285750">
+              <a:buFont typeface="Arial" panose="020B0604020202020204" pitchFamily="34" charset="0"/>
+              <a:buChar char="•"/>
+            </a:pPr>
+            <a:r>
+              <a:rPr lang="it-IT" sz="2000" dirty="0"/>
+              <a:t>Immagini</a:t>
+            </a:r>
+          </a:p>
+          <a:p>
+            <a:pPr marL="285750" indent="-285750">
+              <a:buFont typeface="Arial" panose="020B0604020202020204" pitchFamily="34" charset="0"/>
+              <a:buChar char="•"/>
+            </a:pPr>
+            <a:r>
+              <a:rPr lang="it-IT" sz="2000" dirty="0"/>
+              <a:t>File con valori</a:t>
+            </a:r>
+          </a:p>
+        </p:txBody>
+      </p:sp>
+      <p:sp>
+        <p:nvSpPr>
+          <p:cNvPr id="3" name="Segnaposto testo 2"/>
+          <p:cNvSpPr>
+            <a:spLocks noGrp="1"/>
+          </p:cNvSpPr>
+          <p:nvPr>
+            <p:ph type="body" sz="quarter" idx="14"/>
+          </p:nvPr>
+        </p:nvSpPr>
+        <p:spPr>
+          <a:xfrm>
+            <a:off x="323528" y="548680"/>
+            <a:ext cx="7848872" cy="929048"/>
+          </a:xfrm>
+        </p:spPr>
+        <p:txBody>
+          <a:bodyPr/>
+          <a:lstStyle/>
+          <a:p>
+            <a:r>
+              <a:rPr lang="it-IT" dirty="0"/>
+              <a:t>Situazione</a:t>
+            </a:r>
+          </a:p>
+        </p:txBody>
+      </p:sp>
+      <p:pic>
+        <p:nvPicPr>
+          <p:cNvPr id="6" name="Immagine 5">
+            <a:extLst>
+              <a:ext uri="{FF2B5EF4-FFF2-40B4-BE49-F238E27FC236}">
+                <a16:creationId xmlns:a16="http://schemas.microsoft.com/office/drawing/2014/main" id="{13DE24C9-0219-4DD6-B67A-BF5493499E4A}"/>
+              </a:ext>
+            </a:extLst>
+          </p:cNvPr>
+          <p:cNvPicPr>
+            <a:picLocks noChangeAspect="1"/>
+          </p:cNvPicPr>
+          <p:nvPr/>
+        </p:nvPicPr>
+        <p:blipFill rotWithShape="1">
+          <a:blip r:embed="rId2"/>
+          <a:srcRect l="3539" t="55815" r="72344" b="15108"/>
+          <a:stretch/>
+        </p:blipFill>
+        <p:spPr>
+          <a:xfrm>
+            <a:off x="3851920" y="2348880"/>
+            <a:ext cx="4320480" cy="2821538"/>
+          </a:xfrm>
+          <a:prstGeom prst="rect">
+            <a:avLst/>
+          </a:prstGeom>
+        </p:spPr>
+      </p:pic>
+    </p:spTree>
+    <p:extLst>
+      <p:ext uri="{BB962C8B-B14F-4D97-AF65-F5344CB8AC3E}">
+        <p14:creationId xmlns:p14="http://schemas.microsoft.com/office/powerpoint/2010/main" val="514912244"/>
+      </p:ext>
+    </p:extLst>
+  </p:cSld>
+  <p:clrMapOvr>
+    <a:masterClrMapping/>
+  </p:clrMapOvr>
+  <p:timing>
+    <p:tnLst>
+      <p:par>
+        <p:cTn id="1" dur="indefinite" restart="never" nodeType="tmRoot">
+          <p:childTnLst>
+            <p:seq concurrent="1" nextAc="seek">
+              <p:cTn id="2" dur="indefinite" nodeType="mainSeq">
+                <p:childTnLst>
+                  <p:par>
+                    <p:cTn id="3" fill="hold">
+                      <p:stCondLst>
+                        <p:cond delay="indefinite"/>
+                      </p:stCondLst>
+                      <p:childTnLst>
+                        <p:par>
+                          <p:cTn id="4" fill="hold">
+                            <p:stCondLst>
+                              <p:cond delay="0"/>
+                            </p:stCondLst>
+                            <p:childTnLst>
+                              <p:par>
+                                <p:cTn id="5" presetID="10" presetClass="entr" presetSubtype="0" fill="hold" grpId="0" nodeType="clickEffect">
+                                  <p:stCondLst>
+                                    <p:cond delay="0"/>
+                                  </p:stCondLst>
+                                  <p:childTnLst>
+                                    <p:set>
+                                      <p:cBhvr>
+                                        <p:cTn id="6" dur="1" fill="hold">
+                                          <p:stCondLst>
+                                            <p:cond delay="0"/>
+                                          </p:stCondLst>
+                                        </p:cTn>
+                                        <p:tgtEl>
+                                          <p:spTgt spid="2">
+                                            <p:txEl>
+                                              <p:pRg st="3" end="3"/>
+                                            </p:txEl>
+                                          </p:spTgt>
+                                        </p:tgtEl>
+                                        <p:attrNameLst>
+                                          <p:attrName>style.visibility</p:attrName>
+                                        </p:attrNameLst>
+                                      </p:cBhvr>
+                                      <p:to>
+                                        <p:strVal val="visible"/>
+                                      </p:to>
+                                    </p:set>
+                                    <p:animEffect transition="in" filter="fade">
+                                      <p:cBhvr>
+                                        <p:cTn id="7" dur="500"/>
+                                        <p:tgtEl>
+                                          <p:spTgt spid="2">
+                                            <p:txEl>
+                                              <p:pRg st="3" end="3"/>
+                                            </p:txEl>
+                                          </p:spTgt>
+                                        </p:tgtEl>
+                                      </p:cBhvr>
+                                    </p:animEffect>
+                                  </p:childTnLst>
+                                </p:cTn>
+                              </p:par>
+                              <p:par>
+                                <p:cTn id="8" presetID="10" presetClass="entr" presetSubtype="0" fill="hold" grpId="0" nodeType="withEffect">
+                                  <p:stCondLst>
+                                    <p:cond delay="0"/>
+                                  </p:stCondLst>
+                                  <p:childTnLst>
+                                    <p:set>
+                                      <p:cBhvr>
+                                        <p:cTn id="9" dur="1" fill="hold">
+                                          <p:stCondLst>
+                                            <p:cond delay="0"/>
+                                          </p:stCondLst>
+                                        </p:cTn>
+                                        <p:tgtEl>
+                                          <p:spTgt spid="2">
+                                            <p:txEl>
+                                              <p:pRg st="4" end="4"/>
+                                            </p:txEl>
+                                          </p:spTgt>
+                                        </p:tgtEl>
+                                        <p:attrNameLst>
+                                          <p:attrName>style.visibility</p:attrName>
+                                        </p:attrNameLst>
+                                      </p:cBhvr>
+                                      <p:to>
+                                        <p:strVal val="visible"/>
+                                      </p:to>
+                                    </p:set>
+                                    <p:animEffect transition="in" filter="fade">
+                                      <p:cBhvr>
+                                        <p:cTn id="10" dur="500"/>
+                                        <p:tgtEl>
+                                          <p:spTgt spid="2">
+                                            <p:txEl>
+                                              <p:pRg st="4" end="4"/>
+                                            </p:txEl>
+                                          </p:spTgt>
+                                        </p:tgtEl>
+                                      </p:cBhvr>
+                                    </p:animEffect>
+                                  </p:childTnLst>
+                                </p:cTn>
+                              </p:par>
+                              <p:par>
+                                <p:cTn id="11" presetID="10" presetClass="entr" presetSubtype="0" fill="hold" grpId="0" nodeType="withEffect">
+                                  <p:stCondLst>
+                                    <p:cond delay="0"/>
+                                  </p:stCondLst>
+                                  <p:childTnLst>
+                                    <p:set>
+                                      <p:cBhvr>
+                                        <p:cTn id="12" dur="1" fill="hold">
+                                          <p:stCondLst>
+                                            <p:cond delay="0"/>
+                                          </p:stCondLst>
+                                        </p:cTn>
+                                        <p:tgtEl>
+                                          <p:spTgt spid="2">
+                                            <p:txEl>
+                                              <p:pRg st="5" end="5"/>
+                                            </p:txEl>
+                                          </p:spTgt>
+                                        </p:tgtEl>
+                                        <p:attrNameLst>
+                                          <p:attrName>style.visibility</p:attrName>
+                                        </p:attrNameLst>
+                                      </p:cBhvr>
+                                      <p:to>
+                                        <p:strVal val="visible"/>
+                                      </p:to>
+                                    </p:set>
+                                    <p:animEffect transition="in" filter="fade">
+                                      <p:cBhvr>
+                                        <p:cTn id="13" dur="500"/>
+                                        <p:tgtEl>
+                                          <p:spTgt spid="2">
+                                            <p:txEl>
+                                              <p:pRg st="5" end="5"/>
+                                            </p:txEl>
+                                          </p:spTgt>
+                                        </p:tgtEl>
+                                      </p:cBhvr>
+                                    </p:animEffect>
+                                  </p:childTnLst>
+                                </p:cTn>
+                              </p:par>
+                              <p:par>
+                                <p:cTn id="14" presetID="10" presetClass="entr" presetSubtype="0" fill="hold" grpId="0" nodeType="withEffect">
+                                  <p:stCondLst>
+                                    <p:cond delay="0"/>
+                                  </p:stCondLst>
+                                  <p:childTnLst>
+                                    <p:set>
+                                      <p:cBhvr>
+                                        <p:cTn id="15" dur="1" fill="hold">
+                                          <p:stCondLst>
+                                            <p:cond delay="0"/>
+                                          </p:stCondLst>
+                                        </p:cTn>
+                                        <p:tgtEl>
+                                          <p:spTgt spid="2">
+                                            <p:txEl>
+                                              <p:pRg st="6" end="6"/>
+                                            </p:txEl>
+                                          </p:spTgt>
+                                        </p:tgtEl>
+                                        <p:attrNameLst>
+                                          <p:attrName>style.visibility</p:attrName>
+                                        </p:attrNameLst>
+                                      </p:cBhvr>
+                                      <p:to>
+                                        <p:strVal val="visible"/>
+                                      </p:to>
+                                    </p:set>
+                                    <p:animEffect transition="in" filter="fade">
+                                      <p:cBhvr>
+                                        <p:cTn id="16" dur="500"/>
+                                        <p:tgtEl>
+                                          <p:spTgt spid="2">
+                                            <p:txEl>
+                                              <p:pRg st="6" end="6"/>
+                                            </p:txEl>
+                                          </p:spTgt>
+                                        </p:tgtEl>
+                                      </p:cBhvr>
+                                    </p:animEffect>
+                                  </p:childTnLst>
+                                </p:cTn>
+                              </p:par>
+                            </p:childTnLst>
+                          </p:cTn>
+                        </p:par>
+                      </p:childTnLst>
+                    </p:cTn>
+                  </p:par>
+                  <p:par>
+                    <p:cTn id="17" fill="hold">
+                      <p:stCondLst>
+                        <p:cond delay="indefinite"/>
+                      </p:stCondLst>
+                      <p:childTnLst>
+                        <p:par>
+                          <p:cTn id="18" fill="hold">
+                            <p:stCondLst>
+                              <p:cond delay="0"/>
+                            </p:stCondLst>
+                            <p:childTnLst>
+                              <p:par>
+                                <p:cTn id="19" presetID="10" presetClass="entr" presetSubtype="0" fill="hold" nodeType="clickEffect">
+                                  <p:stCondLst>
+                                    <p:cond delay="0"/>
+                                  </p:stCondLst>
+                                  <p:childTnLst>
+                                    <p:set>
+                                      <p:cBhvr>
+                                        <p:cTn id="20" dur="1" fill="hold">
+                                          <p:stCondLst>
+                                            <p:cond delay="0"/>
+                                          </p:stCondLst>
+                                        </p:cTn>
+                                        <p:tgtEl>
+                                          <p:spTgt spid="6"/>
+                                        </p:tgtEl>
+                                        <p:attrNameLst>
+                                          <p:attrName>style.visibility</p:attrName>
+                                        </p:attrNameLst>
+                                      </p:cBhvr>
+                                      <p:to>
+                                        <p:strVal val="visible"/>
+                                      </p:to>
+                                    </p:set>
+                                    <p:animEffect transition="in" filter="fade">
+                                      <p:cBhvr>
+                                        <p:cTn id="21" dur="500"/>
+                                        <p:tgtEl>
+                                          <p:spTgt spid="6"/>
+                                        </p:tgtEl>
+                                      </p:cBhvr>
+                                    </p:animEffect>
+                                  </p:childTnLst>
+                                </p:cTn>
+                              </p:par>
+                            </p:childTnLst>
+                          </p:cTn>
+                        </p:par>
+                      </p:childTnLst>
+                    </p:cTn>
+                  </p:par>
+                </p:childTnLst>
+              </p:cTn>
+              <p:prevCondLst>
+                <p:cond evt="onPrev" delay="0">
+                  <p:tgtEl>
+                    <p:sldTgt/>
+                  </p:tgtEl>
+                </p:cond>
+              </p:prevCondLst>
+              <p:nextCondLst>
+                <p:cond evt="onNext" delay="0">
+                  <p:tgtEl>
+                    <p:sldTgt/>
+                  </p:tgtEl>
+                </p:cond>
+              </p:nextCondLst>
+            </p:seq>
+          </p:childTnLst>
+        </p:cTn>
+      </p:par>
+    </p:tnLst>
+    <p:bldLst>
+      <p:bldP spid="2" grpId="0" uiExpand="1" build="p"/>
+    </p:bldLst>
+  </p:timing>
+</p:sld>
+</file>
+
+<file path=ppt/slides/slide6.xml><?xml version="1.0" encoding="utf-8"?>
 <p:sld xmlns:a="http://schemas.openxmlformats.org/drawingml/2006/main" xmlns:r="http://schemas.openxmlformats.org/officeDocument/2006/relationships" xmlns:p="http://schemas.openxmlformats.org/presentationml/2006/main">
   <p:cSld>
     <p:spTree>
@@ -8976,194 +10761,6 @@
           </p:style>
         </p:cxnSp>
       </p:grpSp>
-      <p:sp>
-        <p:nvSpPr>
-          <p:cNvPr id="37" name="Elaborazione 36">
-            <a:extLst>
-              <a:ext uri="{FF2B5EF4-FFF2-40B4-BE49-F238E27FC236}">
-                <a16:creationId xmlns:a16="http://schemas.microsoft.com/office/drawing/2014/main" id="{DF593D47-FC3E-4E05-81AD-9CE5112A8D42}"/>
-              </a:ext>
-            </a:extLst>
-          </p:cNvPr>
-          <p:cNvSpPr/>
-          <p:nvPr/>
-        </p:nvSpPr>
-        <p:spPr>
-          <a:xfrm>
-            <a:off x="6192337" y="2125924"/>
-            <a:ext cx="1284684" cy="720080"/>
-          </a:xfrm>
-          <a:prstGeom prst="flowChartProcess">
-            <a:avLst/>
-          </a:prstGeom>
-        </p:spPr>
-        <p:style>
-          <a:lnRef idx="1">
-            <a:schemeClr val="accent2"/>
-          </a:lnRef>
-          <a:fillRef idx="2">
-            <a:schemeClr val="accent2"/>
-          </a:fillRef>
-          <a:effectRef idx="1">
-            <a:schemeClr val="accent2"/>
-          </a:effectRef>
-          <a:fontRef idx="minor">
-            <a:schemeClr val="dk1"/>
-          </a:fontRef>
-        </p:style>
-        <p:txBody>
-          <a:bodyPr rtlCol="0" anchor="ctr"/>
-          <a:lstStyle/>
-          <a:p>
-            <a:pPr algn="ctr"/>
-            <a:r>
-              <a:rPr lang="it-CH" sz="1600" dirty="0"/>
-              <a:t>Creazione esperimenti</a:t>
-            </a:r>
-          </a:p>
-        </p:txBody>
-      </p:sp>
-      <p:sp>
-        <p:nvSpPr>
-          <p:cNvPr id="38" name="Elaborazione 37">
-            <a:extLst>
-              <a:ext uri="{FF2B5EF4-FFF2-40B4-BE49-F238E27FC236}">
-                <a16:creationId xmlns:a16="http://schemas.microsoft.com/office/drawing/2014/main" id="{CFD98687-F8A4-47A7-B840-EB79C7C3FAD9}"/>
-              </a:ext>
-            </a:extLst>
-          </p:cNvPr>
-          <p:cNvSpPr/>
-          <p:nvPr/>
-        </p:nvSpPr>
-        <p:spPr>
-          <a:xfrm>
-            <a:off x="7685083" y="2846004"/>
-            <a:ext cx="1284684" cy="720080"/>
-          </a:xfrm>
-          <a:prstGeom prst="flowChartProcess">
-            <a:avLst/>
-          </a:prstGeom>
-        </p:spPr>
-        <p:style>
-          <a:lnRef idx="1">
-            <a:schemeClr val="accent2"/>
-          </a:lnRef>
-          <a:fillRef idx="2">
-            <a:schemeClr val="accent2"/>
-          </a:fillRef>
-          <a:effectRef idx="1">
-            <a:schemeClr val="accent2"/>
-          </a:effectRef>
-          <a:fontRef idx="minor">
-            <a:schemeClr val="dk1"/>
-          </a:fontRef>
-        </p:style>
-        <p:txBody>
-          <a:bodyPr rtlCol="0" anchor="ctr"/>
-          <a:lstStyle/>
-          <a:p>
-            <a:pPr algn="ctr"/>
-            <a:r>
-              <a:rPr lang="it-CH" sz="1500" dirty="0"/>
-              <a:t>Avvio acquisizione</a:t>
-            </a:r>
-          </a:p>
-        </p:txBody>
-      </p:sp>
-      <p:sp>
-        <p:nvSpPr>
-          <p:cNvPr id="40" name="Elaborazione 39">
-            <a:extLst>
-              <a:ext uri="{FF2B5EF4-FFF2-40B4-BE49-F238E27FC236}">
-                <a16:creationId xmlns:a16="http://schemas.microsoft.com/office/drawing/2014/main" id="{42B5E3D8-196B-4132-A709-1A10F7072DCC}"/>
-              </a:ext>
-            </a:extLst>
-          </p:cNvPr>
-          <p:cNvSpPr/>
-          <p:nvPr/>
-        </p:nvSpPr>
-        <p:spPr>
-          <a:xfrm>
-            <a:off x="6192337" y="4606280"/>
-            <a:ext cx="1284684" cy="720080"/>
-          </a:xfrm>
-          <a:prstGeom prst="flowChartProcess">
-            <a:avLst/>
-          </a:prstGeom>
-        </p:spPr>
-        <p:style>
-          <a:lnRef idx="1">
-            <a:schemeClr val="accent2"/>
-          </a:lnRef>
-          <a:fillRef idx="2">
-            <a:schemeClr val="accent2"/>
-          </a:fillRef>
-          <a:effectRef idx="1">
-            <a:schemeClr val="accent2"/>
-          </a:effectRef>
-          <a:fontRef idx="minor">
-            <a:schemeClr val="dk1"/>
-          </a:fontRef>
-        </p:style>
-        <p:txBody>
-          <a:bodyPr rtlCol="0" anchor="ctr"/>
-          <a:lstStyle/>
-          <a:p>
-            <a:pPr algn="ctr"/>
-            <a:r>
-              <a:rPr lang="it-CH" sz="1600" dirty="0"/>
-              <a:t>Dati in tempo reale</a:t>
-            </a:r>
-          </a:p>
-        </p:txBody>
-      </p:sp>
-      <p:sp>
-        <p:nvSpPr>
-          <p:cNvPr id="41" name="Elaborazione 40">
-            <a:extLst>
-              <a:ext uri="{FF2B5EF4-FFF2-40B4-BE49-F238E27FC236}">
-                <a16:creationId xmlns:a16="http://schemas.microsoft.com/office/drawing/2014/main" id="{B07FF524-3A94-4528-81A5-F5FEEEA5AE56}"/>
-              </a:ext>
-            </a:extLst>
-          </p:cNvPr>
-          <p:cNvSpPr/>
-          <p:nvPr/>
-        </p:nvSpPr>
-        <p:spPr>
-          <a:xfrm>
-            <a:off x="7685083" y="3886200"/>
-            <a:ext cx="1284684" cy="720080"/>
-          </a:xfrm>
-          <a:prstGeom prst="flowChartProcess">
-            <a:avLst/>
-          </a:prstGeom>
-        </p:spPr>
-        <p:style>
-          <a:lnRef idx="1">
-            <a:schemeClr val="accent2"/>
-          </a:lnRef>
-          <a:fillRef idx="2">
-            <a:schemeClr val="accent2"/>
-          </a:fillRef>
-          <a:effectRef idx="1">
-            <a:schemeClr val="accent2"/>
-          </a:effectRef>
-          <a:fontRef idx="minor">
-            <a:schemeClr val="dk1"/>
-          </a:fontRef>
-        </p:style>
-        <p:txBody>
-          <a:bodyPr rtlCol="0" anchor="ctr"/>
-          <a:lstStyle/>
-          <a:p>
-            <a:pPr algn="ctr"/>
-            <a:r>
-              <a:rPr lang="it-CH" sz="1600" dirty="0"/>
-              <a:t>Stato dei dispositivi</a:t>
-            </a:r>
-          </a:p>
-        </p:txBody>
-      </p:sp>
       <p:cxnSp>
         <p:nvCxnSpPr>
           <p:cNvPr id="44" name="Connettore diritto 43">
@@ -9202,6 +10799,363 @@
           </a:fontRef>
         </p:style>
       </p:cxnSp>
+      <p:grpSp>
+        <p:nvGrpSpPr>
+          <p:cNvPr id="30" name="Gruppo 29">
+            <a:extLst>
+              <a:ext uri="{FF2B5EF4-FFF2-40B4-BE49-F238E27FC236}">
+                <a16:creationId xmlns:a16="http://schemas.microsoft.com/office/drawing/2014/main" id="{DD3C11DF-A87D-4D2D-9459-2FF46D8DD1C8}"/>
+              </a:ext>
+            </a:extLst>
+          </p:cNvPr>
+          <p:cNvGrpSpPr/>
+          <p:nvPr/>
+        </p:nvGrpSpPr>
+        <p:grpSpPr>
+          <a:xfrm>
+            <a:off x="6192337" y="2125924"/>
+            <a:ext cx="2777430" cy="3200436"/>
+            <a:chOff x="6192337" y="2125924"/>
+            <a:chExt cx="2777430" cy="3200436"/>
+          </a:xfrm>
+        </p:grpSpPr>
+        <p:sp>
+          <p:nvSpPr>
+            <p:cNvPr id="37" name="Elaborazione 36">
+              <a:extLst>
+                <a:ext uri="{FF2B5EF4-FFF2-40B4-BE49-F238E27FC236}">
+                  <a16:creationId xmlns:a16="http://schemas.microsoft.com/office/drawing/2014/main" id="{DF593D47-FC3E-4E05-81AD-9CE5112A8D42}"/>
+                </a:ext>
+              </a:extLst>
+            </p:cNvPr>
+            <p:cNvSpPr/>
+            <p:nvPr/>
+          </p:nvSpPr>
+          <p:spPr>
+            <a:xfrm>
+              <a:off x="6192337" y="2125924"/>
+              <a:ext cx="1284684" cy="720080"/>
+            </a:xfrm>
+            <a:prstGeom prst="flowChartProcess">
+              <a:avLst/>
+            </a:prstGeom>
+          </p:spPr>
+          <p:style>
+            <a:lnRef idx="1">
+              <a:schemeClr val="accent2"/>
+            </a:lnRef>
+            <a:fillRef idx="2">
+              <a:schemeClr val="accent2"/>
+            </a:fillRef>
+            <a:effectRef idx="1">
+              <a:schemeClr val="accent2"/>
+            </a:effectRef>
+            <a:fontRef idx="minor">
+              <a:schemeClr val="dk1"/>
+            </a:fontRef>
+          </p:style>
+          <p:txBody>
+            <a:bodyPr rtlCol="0" anchor="ctr"/>
+            <a:lstStyle/>
+            <a:p>
+              <a:pPr algn="ctr"/>
+              <a:r>
+                <a:rPr lang="it-CH" sz="1600" dirty="0"/>
+                <a:t>Creazione esperimenti</a:t>
+              </a:r>
+            </a:p>
+          </p:txBody>
+        </p:sp>
+        <p:sp>
+          <p:nvSpPr>
+            <p:cNvPr id="38" name="Elaborazione 37">
+              <a:extLst>
+                <a:ext uri="{FF2B5EF4-FFF2-40B4-BE49-F238E27FC236}">
+                  <a16:creationId xmlns:a16="http://schemas.microsoft.com/office/drawing/2014/main" id="{CFD98687-F8A4-47A7-B840-EB79C7C3FAD9}"/>
+                </a:ext>
+              </a:extLst>
+            </p:cNvPr>
+            <p:cNvSpPr/>
+            <p:nvPr/>
+          </p:nvSpPr>
+          <p:spPr>
+            <a:xfrm>
+              <a:off x="7685083" y="2846004"/>
+              <a:ext cx="1284684" cy="720080"/>
+            </a:xfrm>
+            <a:prstGeom prst="flowChartProcess">
+              <a:avLst/>
+            </a:prstGeom>
+          </p:spPr>
+          <p:style>
+            <a:lnRef idx="1">
+              <a:schemeClr val="accent2"/>
+            </a:lnRef>
+            <a:fillRef idx="2">
+              <a:schemeClr val="accent2"/>
+            </a:fillRef>
+            <a:effectRef idx="1">
+              <a:schemeClr val="accent2"/>
+            </a:effectRef>
+            <a:fontRef idx="minor">
+              <a:schemeClr val="dk1"/>
+            </a:fontRef>
+          </p:style>
+          <p:txBody>
+            <a:bodyPr rtlCol="0" anchor="ctr"/>
+            <a:lstStyle/>
+            <a:p>
+              <a:pPr algn="ctr"/>
+              <a:r>
+                <a:rPr lang="it-CH" sz="1500" dirty="0"/>
+                <a:t>Avvio acquisizione</a:t>
+              </a:r>
+            </a:p>
+          </p:txBody>
+        </p:sp>
+        <p:sp>
+          <p:nvSpPr>
+            <p:cNvPr id="40" name="Elaborazione 39">
+              <a:extLst>
+                <a:ext uri="{FF2B5EF4-FFF2-40B4-BE49-F238E27FC236}">
+                  <a16:creationId xmlns:a16="http://schemas.microsoft.com/office/drawing/2014/main" id="{42B5E3D8-196B-4132-A709-1A10F7072DCC}"/>
+                </a:ext>
+              </a:extLst>
+            </p:cNvPr>
+            <p:cNvSpPr/>
+            <p:nvPr/>
+          </p:nvSpPr>
+          <p:spPr>
+            <a:xfrm>
+              <a:off x="6192337" y="4606280"/>
+              <a:ext cx="1284684" cy="720080"/>
+            </a:xfrm>
+            <a:prstGeom prst="flowChartProcess">
+              <a:avLst/>
+            </a:prstGeom>
+          </p:spPr>
+          <p:style>
+            <a:lnRef idx="1">
+              <a:schemeClr val="accent2"/>
+            </a:lnRef>
+            <a:fillRef idx="2">
+              <a:schemeClr val="accent2"/>
+            </a:fillRef>
+            <a:effectRef idx="1">
+              <a:schemeClr val="accent2"/>
+            </a:effectRef>
+            <a:fontRef idx="minor">
+              <a:schemeClr val="dk1"/>
+            </a:fontRef>
+          </p:style>
+          <p:txBody>
+            <a:bodyPr rtlCol="0" anchor="ctr"/>
+            <a:lstStyle/>
+            <a:p>
+              <a:pPr algn="ctr"/>
+              <a:r>
+                <a:rPr lang="it-CH" sz="1600" dirty="0"/>
+                <a:t>Dati in tempo reale</a:t>
+              </a:r>
+            </a:p>
+          </p:txBody>
+        </p:sp>
+        <p:sp>
+          <p:nvSpPr>
+            <p:cNvPr id="41" name="Elaborazione 40">
+              <a:extLst>
+                <a:ext uri="{FF2B5EF4-FFF2-40B4-BE49-F238E27FC236}">
+                  <a16:creationId xmlns:a16="http://schemas.microsoft.com/office/drawing/2014/main" id="{B07FF524-3A94-4528-81A5-F5FEEEA5AE56}"/>
+                </a:ext>
+              </a:extLst>
+            </p:cNvPr>
+            <p:cNvSpPr/>
+            <p:nvPr/>
+          </p:nvSpPr>
+          <p:spPr>
+            <a:xfrm>
+              <a:off x="7685083" y="3886200"/>
+              <a:ext cx="1284684" cy="720080"/>
+            </a:xfrm>
+            <a:prstGeom prst="flowChartProcess">
+              <a:avLst/>
+            </a:prstGeom>
+          </p:spPr>
+          <p:style>
+            <a:lnRef idx="1">
+              <a:schemeClr val="accent2"/>
+            </a:lnRef>
+            <a:fillRef idx="2">
+              <a:schemeClr val="accent2"/>
+            </a:fillRef>
+            <a:effectRef idx="1">
+              <a:schemeClr val="accent2"/>
+            </a:effectRef>
+            <a:fontRef idx="minor">
+              <a:schemeClr val="dk1"/>
+            </a:fontRef>
+          </p:style>
+          <p:txBody>
+            <a:bodyPr rtlCol="0" anchor="ctr"/>
+            <a:lstStyle/>
+            <a:p>
+              <a:pPr algn="ctr"/>
+              <a:r>
+                <a:rPr lang="it-CH" sz="1600" dirty="0"/>
+                <a:t>Stato dei dispositivi</a:t>
+              </a:r>
+            </a:p>
+          </p:txBody>
+        </p:sp>
+        <p:cxnSp>
+          <p:nvCxnSpPr>
+            <p:cNvPr id="19" name="Connettore diritto 18">
+              <a:extLst>
+                <a:ext uri="{FF2B5EF4-FFF2-40B4-BE49-F238E27FC236}">
+                  <a16:creationId xmlns:a16="http://schemas.microsoft.com/office/drawing/2014/main" id="{62631138-57AA-4B13-B4C5-27C941F34A8F}"/>
+                </a:ext>
+              </a:extLst>
+            </p:cNvPr>
+            <p:cNvCxnSpPr/>
+            <p:nvPr/>
+          </p:nvCxnSpPr>
+          <p:spPr>
+            <a:xfrm>
+              <a:off x="6876256" y="4182864"/>
+              <a:ext cx="0" cy="360000"/>
+            </a:xfrm>
+            <a:prstGeom prst="line">
+              <a:avLst/>
+            </a:prstGeom>
+          </p:spPr>
+          <p:style>
+            <a:lnRef idx="1">
+              <a:schemeClr val="accent1"/>
+            </a:lnRef>
+            <a:fillRef idx="0">
+              <a:schemeClr val="accent1"/>
+            </a:fillRef>
+            <a:effectRef idx="0">
+              <a:schemeClr val="accent1"/>
+            </a:effectRef>
+            <a:fontRef idx="minor">
+              <a:schemeClr val="tx1"/>
+            </a:fontRef>
+          </p:style>
+        </p:cxnSp>
+        <p:cxnSp>
+          <p:nvCxnSpPr>
+            <p:cNvPr id="32" name="Connettore diritto 31">
+              <a:extLst>
+                <a:ext uri="{FF2B5EF4-FFF2-40B4-BE49-F238E27FC236}">
+                  <a16:creationId xmlns:a16="http://schemas.microsoft.com/office/drawing/2014/main" id="{D43D9020-ADBF-4E74-ACEC-70300A193F11}"/>
+                </a:ext>
+              </a:extLst>
+            </p:cNvPr>
+            <p:cNvCxnSpPr/>
+            <p:nvPr/>
+          </p:nvCxnSpPr>
+          <p:spPr>
+            <a:xfrm>
+              <a:off x="6876256" y="2944942"/>
+              <a:ext cx="0" cy="360000"/>
+            </a:xfrm>
+            <a:prstGeom prst="line">
+              <a:avLst/>
+            </a:prstGeom>
+          </p:spPr>
+          <p:style>
+            <a:lnRef idx="1">
+              <a:schemeClr val="accent1"/>
+            </a:lnRef>
+            <a:fillRef idx="0">
+              <a:schemeClr val="accent1"/>
+            </a:fillRef>
+            <a:effectRef idx="0">
+              <a:schemeClr val="accent1"/>
+            </a:effectRef>
+            <a:fontRef idx="minor">
+              <a:schemeClr val="tx1"/>
+            </a:fontRef>
+          </p:style>
+        </p:cxnSp>
+        <p:cxnSp>
+          <p:nvCxnSpPr>
+            <p:cNvPr id="34" name="Connettore diritto 33">
+              <a:extLst>
+                <a:ext uri="{FF2B5EF4-FFF2-40B4-BE49-F238E27FC236}">
+                  <a16:creationId xmlns:a16="http://schemas.microsoft.com/office/drawing/2014/main" id="{ACDB165B-F372-4DC6-B5F5-4F6C13C81DD7}"/>
+                </a:ext>
+              </a:extLst>
+            </p:cNvPr>
+            <p:cNvCxnSpPr>
+              <a:cxnSpLocks/>
+            </p:cNvCxnSpPr>
+            <p:nvPr/>
+          </p:nvCxnSpPr>
+          <p:spPr>
+            <a:xfrm flipH="1">
+              <a:off x="7164288" y="3304942"/>
+              <a:ext cx="360040" cy="360000"/>
+            </a:xfrm>
+            <a:prstGeom prst="line">
+              <a:avLst/>
+            </a:prstGeom>
+          </p:spPr>
+          <p:style>
+            <a:lnRef idx="1">
+              <a:schemeClr val="accent1"/>
+            </a:lnRef>
+            <a:fillRef idx="0">
+              <a:schemeClr val="accent1"/>
+            </a:fillRef>
+            <a:effectRef idx="0">
+              <a:schemeClr val="accent1"/>
+            </a:effectRef>
+            <a:fontRef idx="minor">
+              <a:schemeClr val="tx1"/>
+            </a:fontRef>
+          </p:style>
+        </p:cxnSp>
+        <p:cxnSp>
+          <p:nvCxnSpPr>
+            <p:cNvPr id="35" name="Connettore diritto 34">
+              <a:extLst>
+                <a:ext uri="{FF2B5EF4-FFF2-40B4-BE49-F238E27FC236}">
+                  <a16:creationId xmlns:a16="http://schemas.microsoft.com/office/drawing/2014/main" id="{F4135251-0D76-46CA-A141-A1B5A291D08B}"/>
+                </a:ext>
+              </a:extLst>
+            </p:cNvPr>
+            <p:cNvCxnSpPr>
+              <a:cxnSpLocks/>
+            </p:cNvCxnSpPr>
+            <p:nvPr/>
+          </p:nvCxnSpPr>
+          <p:spPr>
+            <a:xfrm>
+              <a:off x="7236296" y="4077072"/>
+              <a:ext cx="339883" cy="248763"/>
+            </a:xfrm>
+            <a:prstGeom prst="line">
+              <a:avLst/>
+            </a:prstGeom>
+          </p:spPr>
+          <p:style>
+            <a:lnRef idx="1">
+              <a:schemeClr val="accent1"/>
+            </a:lnRef>
+            <a:fillRef idx="0">
+              <a:schemeClr val="accent1"/>
+            </a:fillRef>
+            <a:effectRef idx="0">
+              <a:schemeClr val="accent1"/>
+            </a:effectRef>
+            <a:fontRef idx="minor">
+              <a:schemeClr val="tx1"/>
+            </a:fontRef>
+          </p:style>
+        </p:cxnSp>
+      </p:grpSp>
     </p:spTree>
     <p:extLst>
       <p:ext uri="{BB962C8B-B14F-4D97-AF65-F5344CB8AC3E}">
@@ -9212,10 +11166,362 @@
   <p:clrMapOvr>
     <a:masterClrMapping/>
   </p:clrMapOvr>
+  <p:timing>
+    <p:tnLst>
+      <p:par>
+        <p:cTn id="1" dur="indefinite" restart="never" nodeType="tmRoot">
+          <p:childTnLst>
+            <p:seq concurrent="1" nextAc="seek">
+              <p:cTn id="2" dur="indefinite" nodeType="mainSeq">
+                <p:childTnLst>
+                  <p:par>
+                    <p:cTn id="3" fill="hold">
+                      <p:stCondLst>
+                        <p:cond delay="indefinite"/>
+                      </p:stCondLst>
+                      <p:childTnLst>
+                        <p:par>
+                          <p:cTn id="4" fill="hold">
+                            <p:stCondLst>
+                              <p:cond delay="0"/>
+                            </p:stCondLst>
+                            <p:childTnLst>
+                              <p:par>
+                                <p:cTn id="5" presetID="10" presetClass="entr" presetSubtype="0" fill="hold" grpId="0" nodeType="clickEffect">
+                                  <p:stCondLst>
+                                    <p:cond delay="0"/>
+                                  </p:stCondLst>
+                                  <p:childTnLst>
+                                    <p:set>
+                                      <p:cBhvr>
+                                        <p:cTn id="6" dur="1" fill="hold">
+                                          <p:stCondLst>
+                                            <p:cond delay="0"/>
+                                          </p:stCondLst>
+                                        </p:cTn>
+                                        <p:tgtEl>
+                                          <p:spTgt spid="9"/>
+                                        </p:tgtEl>
+                                        <p:attrNameLst>
+                                          <p:attrName>style.visibility</p:attrName>
+                                        </p:attrNameLst>
+                                      </p:cBhvr>
+                                      <p:to>
+                                        <p:strVal val="visible"/>
+                                      </p:to>
+                                    </p:set>
+                                    <p:animEffect transition="in" filter="fade">
+                                      <p:cBhvr>
+                                        <p:cTn id="7" dur="500"/>
+                                        <p:tgtEl>
+                                          <p:spTgt spid="9"/>
+                                        </p:tgtEl>
+                                      </p:cBhvr>
+                                    </p:animEffect>
+                                  </p:childTnLst>
+                                </p:cTn>
+                              </p:par>
+                            </p:childTnLst>
+                          </p:cTn>
+                        </p:par>
+                      </p:childTnLst>
+                    </p:cTn>
+                  </p:par>
+                  <p:par>
+                    <p:cTn id="8" fill="hold">
+                      <p:stCondLst>
+                        <p:cond delay="indefinite"/>
+                      </p:stCondLst>
+                      <p:childTnLst>
+                        <p:par>
+                          <p:cTn id="9" fill="hold">
+                            <p:stCondLst>
+                              <p:cond delay="0"/>
+                            </p:stCondLst>
+                            <p:childTnLst>
+                              <p:par>
+                                <p:cTn id="10" presetID="10" presetClass="entr" presetSubtype="0" fill="hold" nodeType="clickEffect">
+                                  <p:stCondLst>
+                                    <p:cond delay="0"/>
+                                  </p:stCondLst>
+                                  <p:childTnLst>
+                                    <p:set>
+                                      <p:cBhvr>
+                                        <p:cTn id="11" dur="1" fill="hold">
+                                          <p:stCondLst>
+                                            <p:cond delay="0"/>
+                                          </p:stCondLst>
+                                        </p:cTn>
+                                        <p:tgtEl>
+                                          <p:spTgt spid="42"/>
+                                        </p:tgtEl>
+                                        <p:attrNameLst>
+                                          <p:attrName>style.visibility</p:attrName>
+                                        </p:attrNameLst>
+                                      </p:cBhvr>
+                                      <p:to>
+                                        <p:strVal val="visible"/>
+                                      </p:to>
+                                    </p:set>
+                                    <p:animEffect transition="in" filter="fade">
+                                      <p:cBhvr>
+                                        <p:cTn id="12" dur="500"/>
+                                        <p:tgtEl>
+                                          <p:spTgt spid="42"/>
+                                        </p:tgtEl>
+                                      </p:cBhvr>
+                                    </p:animEffect>
+                                  </p:childTnLst>
+                                </p:cTn>
+                              </p:par>
+                            </p:childTnLst>
+                          </p:cTn>
+                        </p:par>
+                      </p:childTnLst>
+                    </p:cTn>
+                  </p:par>
+                  <p:par>
+                    <p:cTn id="13" fill="hold">
+                      <p:stCondLst>
+                        <p:cond delay="indefinite"/>
+                      </p:stCondLst>
+                      <p:childTnLst>
+                        <p:par>
+                          <p:cTn id="14" fill="hold">
+                            <p:stCondLst>
+                              <p:cond delay="0"/>
+                            </p:stCondLst>
+                            <p:childTnLst>
+                              <p:par>
+                                <p:cTn id="15" presetID="10" presetClass="entr" presetSubtype="0" fill="hold" grpId="0" nodeType="clickEffect">
+                                  <p:stCondLst>
+                                    <p:cond delay="0"/>
+                                  </p:stCondLst>
+                                  <p:childTnLst>
+                                    <p:set>
+                                      <p:cBhvr>
+                                        <p:cTn id="16" dur="1" fill="hold">
+                                          <p:stCondLst>
+                                            <p:cond delay="0"/>
+                                          </p:stCondLst>
+                                        </p:cTn>
+                                        <p:tgtEl>
+                                          <p:spTgt spid="10"/>
+                                        </p:tgtEl>
+                                        <p:attrNameLst>
+                                          <p:attrName>style.visibility</p:attrName>
+                                        </p:attrNameLst>
+                                      </p:cBhvr>
+                                      <p:to>
+                                        <p:strVal val="visible"/>
+                                      </p:to>
+                                    </p:set>
+                                    <p:animEffect transition="in" filter="fade">
+                                      <p:cBhvr>
+                                        <p:cTn id="17" dur="500"/>
+                                        <p:tgtEl>
+                                          <p:spTgt spid="10"/>
+                                        </p:tgtEl>
+                                      </p:cBhvr>
+                                    </p:animEffect>
+                                  </p:childTnLst>
+                                </p:cTn>
+                              </p:par>
+                            </p:childTnLst>
+                          </p:cTn>
+                        </p:par>
+                      </p:childTnLst>
+                    </p:cTn>
+                  </p:par>
+                  <p:par>
+                    <p:cTn id="18" fill="hold">
+                      <p:stCondLst>
+                        <p:cond delay="indefinite"/>
+                      </p:stCondLst>
+                      <p:childTnLst>
+                        <p:par>
+                          <p:cTn id="19" fill="hold">
+                            <p:stCondLst>
+                              <p:cond delay="0"/>
+                            </p:stCondLst>
+                            <p:childTnLst>
+                              <p:par>
+                                <p:cTn id="20" presetID="10" presetClass="entr" presetSubtype="0" fill="hold" nodeType="clickEffect">
+                                  <p:stCondLst>
+                                    <p:cond delay="0"/>
+                                  </p:stCondLst>
+                                  <p:childTnLst>
+                                    <p:set>
+                                      <p:cBhvr>
+                                        <p:cTn id="21" dur="1" fill="hold">
+                                          <p:stCondLst>
+                                            <p:cond delay="0"/>
+                                          </p:stCondLst>
+                                        </p:cTn>
+                                        <p:tgtEl>
+                                          <p:spTgt spid="8"/>
+                                        </p:tgtEl>
+                                        <p:attrNameLst>
+                                          <p:attrName>style.visibility</p:attrName>
+                                        </p:attrNameLst>
+                                      </p:cBhvr>
+                                      <p:to>
+                                        <p:strVal val="visible"/>
+                                      </p:to>
+                                    </p:set>
+                                    <p:animEffect transition="in" filter="fade">
+                                      <p:cBhvr>
+                                        <p:cTn id="22" dur="500"/>
+                                        <p:tgtEl>
+                                          <p:spTgt spid="8"/>
+                                        </p:tgtEl>
+                                      </p:cBhvr>
+                                    </p:animEffect>
+                                  </p:childTnLst>
+                                </p:cTn>
+                              </p:par>
+                            </p:childTnLst>
+                          </p:cTn>
+                        </p:par>
+                      </p:childTnLst>
+                    </p:cTn>
+                  </p:par>
+                  <p:par>
+                    <p:cTn id="23" fill="hold">
+                      <p:stCondLst>
+                        <p:cond delay="indefinite"/>
+                      </p:stCondLst>
+                      <p:childTnLst>
+                        <p:par>
+                          <p:cTn id="24" fill="hold">
+                            <p:stCondLst>
+                              <p:cond delay="0"/>
+                            </p:stCondLst>
+                            <p:childTnLst>
+                              <p:par>
+                                <p:cTn id="25" presetID="10" presetClass="entr" presetSubtype="0" fill="hold" nodeType="clickEffect">
+                                  <p:stCondLst>
+                                    <p:cond delay="0"/>
+                                  </p:stCondLst>
+                                  <p:childTnLst>
+                                    <p:set>
+                                      <p:cBhvr>
+                                        <p:cTn id="26" dur="1" fill="hold">
+                                          <p:stCondLst>
+                                            <p:cond delay="0"/>
+                                          </p:stCondLst>
+                                        </p:cTn>
+                                        <p:tgtEl>
+                                          <p:spTgt spid="44"/>
+                                        </p:tgtEl>
+                                        <p:attrNameLst>
+                                          <p:attrName>style.visibility</p:attrName>
+                                        </p:attrNameLst>
+                                      </p:cBhvr>
+                                      <p:to>
+                                        <p:strVal val="visible"/>
+                                      </p:to>
+                                    </p:set>
+                                    <p:animEffect transition="in" filter="fade">
+                                      <p:cBhvr>
+                                        <p:cTn id="27" dur="500"/>
+                                        <p:tgtEl>
+                                          <p:spTgt spid="44"/>
+                                        </p:tgtEl>
+                                      </p:cBhvr>
+                                    </p:animEffect>
+                                  </p:childTnLst>
+                                </p:cTn>
+                              </p:par>
+                            </p:childTnLst>
+                          </p:cTn>
+                        </p:par>
+                      </p:childTnLst>
+                    </p:cTn>
+                  </p:par>
+                  <p:par>
+                    <p:cTn id="28" fill="hold">
+                      <p:stCondLst>
+                        <p:cond delay="indefinite"/>
+                      </p:stCondLst>
+                      <p:childTnLst>
+                        <p:par>
+                          <p:cTn id="29" fill="hold">
+                            <p:stCondLst>
+                              <p:cond delay="0"/>
+                            </p:stCondLst>
+                            <p:childTnLst>
+                              <p:par>
+                                <p:cTn id="30" presetID="10" presetClass="entr" presetSubtype="0" fill="hold" nodeType="clickEffect">
+                                  <p:stCondLst>
+                                    <p:cond delay="0"/>
+                                  </p:stCondLst>
+                                  <p:childTnLst>
+                                    <p:set>
+                                      <p:cBhvr>
+                                        <p:cTn id="31" dur="1" fill="hold">
+                                          <p:stCondLst>
+                                            <p:cond delay="0"/>
+                                          </p:stCondLst>
+                                        </p:cTn>
+                                        <p:tgtEl>
+                                          <p:spTgt spid="30"/>
+                                        </p:tgtEl>
+                                        <p:attrNameLst>
+                                          <p:attrName>style.visibility</p:attrName>
+                                        </p:attrNameLst>
+                                      </p:cBhvr>
+                                      <p:to>
+                                        <p:strVal val="visible"/>
+                                      </p:to>
+                                    </p:set>
+                                    <p:animEffect transition="in" filter="fade">
+                                      <p:cBhvr>
+                                        <p:cTn id="32" dur="500"/>
+                                        <p:tgtEl>
+                                          <p:spTgt spid="30"/>
+                                        </p:tgtEl>
+                                      </p:cBhvr>
+                                    </p:animEffect>
+                                  </p:childTnLst>
+                                </p:cTn>
+                              </p:par>
+                            </p:childTnLst>
+                          </p:cTn>
+                        </p:par>
+                      </p:childTnLst>
+                    </p:cTn>
+                  </p:par>
+                </p:childTnLst>
+              </p:cTn>
+              <p:prevCondLst>
+                <p:cond evt="onPrev" delay="0">
+                  <p:tgtEl>
+                    <p:sldTgt/>
+                  </p:tgtEl>
+                </p:cond>
+              </p:prevCondLst>
+              <p:nextCondLst>
+                <p:cond evt="onNext" delay="0">
+                  <p:tgtEl>
+                    <p:sldTgt/>
+                  </p:tgtEl>
+                </p:cond>
+              </p:nextCondLst>
+            </p:seq>
+          </p:childTnLst>
+        </p:cTn>
+      </p:par>
+    </p:tnLst>
+    <p:bldLst>
+      <p:bldP spid="9" grpId="0"/>
+      <p:bldP spid="10" grpId="0"/>
+    </p:bldLst>
+  </p:timing>
 </p:sld>
 </file>
 
-<file path=ppt/slides/slide6.xml><?xml version="1.0" encoding="utf-8"?>
+<file path=ppt/slides/slide7.xml><?xml version="1.0" encoding="utf-8"?>
 <p:sld xmlns:a="http://schemas.openxmlformats.org/drawingml/2006/main" xmlns:r="http://schemas.openxmlformats.org/officeDocument/2006/relationships" xmlns:p="http://schemas.openxmlformats.org/presentationml/2006/main">
   <p:cSld>
     <p:spTree>
@@ -9299,10 +11605,93 @@
   <p:clrMapOvr>
     <a:masterClrMapping/>
   </p:clrMapOvr>
+  <p:timing>
+    <p:tnLst>
+      <p:par>
+        <p:cTn id="1" dur="indefinite" restart="never" nodeType="tmRoot">
+          <p:childTnLst>
+            <p:seq concurrent="1" nextAc="seek">
+              <p:cTn id="2" dur="indefinite" nodeType="mainSeq">
+                <p:childTnLst>
+                  <p:par>
+                    <p:cTn id="3" fill="hold">
+                      <p:stCondLst>
+                        <p:cond delay="indefinite"/>
+                      </p:stCondLst>
+                      <p:childTnLst>
+                        <p:par>
+                          <p:cTn id="4" fill="hold">
+                            <p:stCondLst>
+                              <p:cond delay="0"/>
+                            </p:stCondLst>
+                            <p:childTnLst>
+                              <p:par>
+                                <p:cTn id="5" presetID="10" presetClass="entr" presetSubtype="0" fill="hold" nodeType="clickEffect">
+                                  <p:stCondLst>
+                                    <p:cond delay="0"/>
+                                  </p:stCondLst>
+                                  <p:childTnLst>
+                                    <p:set>
+                                      <p:cBhvr>
+                                        <p:cTn id="6" dur="1" fill="hold">
+                                          <p:stCondLst>
+                                            <p:cond delay="0"/>
+                                          </p:stCondLst>
+                                        </p:cTn>
+                                        <p:tgtEl>
+                                          <p:spTgt spid="4"/>
+                                        </p:tgtEl>
+                                        <p:attrNameLst>
+                                          <p:attrName>style.visibility</p:attrName>
+                                        </p:attrNameLst>
+                                      </p:cBhvr>
+                                      <p:to>
+                                        <p:strVal val="visible"/>
+                                      </p:to>
+                                    </p:set>
+                                    <p:animEffect transition="in" filter="fade">
+                                      <p:cBhvr>
+                                        <p:cTn id="7" dur="500"/>
+                                        <p:tgtEl>
+                                          <p:spTgt spid="4"/>
+                                        </p:tgtEl>
+                                      </p:cBhvr>
+                                    </p:animEffect>
+                                  </p:childTnLst>
+                                </p:cTn>
+                              </p:par>
+                            </p:childTnLst>
+                          </p:cTn>
+                        </p:par>
+                      </p:childTnLst>
+                    </p:cTn>
+                  </p:par>
+                </p:childTnLst>
+              </p:cTn>
+              <p:prevCondLst>
+                <p:cond evt="onPrev" delay="0">
+                  <p:tgtEl>
+                    <p:sldTgt/>
+                  </p:tgtEl>
+                </p:cond>
+              </p:prevCondLst>
+              <p:nextCondLst>
+                <p:cond evt="onNext" delay="0">
+                  <p:tgtEl>
+                    <p:sldTgt/>
+                  </p:tgtEl>
+                </p:cond>
+              </p:nextCondLst>
+            </p:seq>
+          </p:childTnLst>
+        </p:cTn>
+      </p:par>
+    </p:tnLst>
+  </p:timing>
 </p:sld>
 </file>
 
-<file path=ppt/slides/slide7.xml><?xml version="1.0" encoding="utf-8"?>
+<file path=ppt/slides/slide8.xml><?xml version="1.0" encoding="utf-8"?>
 <p:sld xmlns:a="http://schemas.openxmlformats.org/drawingml/2006/main" xmlns:r="http://schemas.openxmlformats.org/officeDocument/2006/relationships" xmlns:p="http://schemas.openxmlformats.org/presentationml/2006/main">
   <p:cSld>
     <p:spTree>
@@ -9434,10 +11823,146 @@
   <p:clrMapOvr>
     <a:masterClrMapping/>
   </p:clrMapOvr>
+  <p:timing>
+    <p:tnLst>
+      <p:par>
+        <p:cTn id="1" dur="indefinite" restart="never" nodeType="tmRoot">
+          <p:childTnLst>
+            <p:seq concurrent="1" nextAc="seek">
+              <p:cTn id="2" dur="indefinite" nodeType="mainSeq">
+                <p:childTnLst>
+                  <p:par>
+                    <p:cTn id="3" fill="hold">
+                      <p:stCondLst>
+                        <p:cond delay="indefinite"/>
+                      </p:stCondLst>
+                      <p:childTnLst>
+                        <p:par>
+                          <p:cTn id="4" fill="hold">
+                            <p:stCondLst>
+                              <p:cond delay="0"/>
+                            </p:stCondLst>
+                            <p:childTnLst>
+                              <p:par>
+                                <p:cTn id="5" presetID="10" presetClass="entr" presetSubtype="0" fill="hold" nodeType="clickEffect">
+                                  <p:stCondLst>
+                                    <p:cond delay="0"/>
+                                  </p:stCondLst>
+                                  <p:childTnLst>
+                                    <p:set>
+                                      <p:cBhvr>
+                                        <p:cTn id="6" dur="1" fill="hold">
+                                          <p:stCondLst>
+                                            <p:cond delay="0"/>
+                                          </p:stCondLst>
+                                        </p:cTn>
+                                        <p:tgtEl>
+                                          <p:spTgt spid="5"/>
+                                        </p:tgtEl>
+                                        <p:attrNameLst>
+                                          <p:attrName>style.visibility</p:attrName>
+                                        </p:attrNameLst>
+                                      </p:cBhvr>
+                                      <p:to>
+                                        <p:strVal val="visible"/>
+                                      </p:to>
+                                    </p:set>
+                                    <p:animEffect transition="in" filter="fade">
+                                      <p:cBhvr>
+                                        <p:cTn id="7" dur="500"/>
+                                        <p:tgtEl>
+                                          <p:spTgt spid="5"/>
+                                        </p:tgtEl>
+                                      </p:cBhvr>
+                                    </p:animEffect>
+                                  </p:childTnLst>
+                                </p:cTn>
+                              </p:par>
+                            </p:childTnLst>
+                          </p:cTn>
+                        </p:par>
+                      </p:childTnLst>
+                    </p:cTn>
+                  </p:par>
+                  <p:par>
+                    <p:cTn id="8" fill="hold">
+                      <p:stCondLst>
+                        <p:cond delay="indefinite"/>
+                      </p:stCondLst>
+                      <p:childTnLst>
+                        <p:par>
+                          <p:cTn id="9" fill="hold">
+                            <p:stCondLst>
+                              <p:cond delay="0"/>
+                            </p:stCondLst>
+                            <p:childTnLst>
+                              <p:par>
+                                <p:cTn id="10" presetID="10" presetClass="entr" presetSubtype="0" fill="hold" nodeType="clickEffect">
+                                  <p:stCondLst>
+                                    <p:cond delay="0"/>
+                                  </p:stCondLst>
+                                  <p:childTnLst>
+                                    <p:set>
+                                      <p:cBhvr>
+                                        <p:cTn id="11" dur="1" fill="hold">
+                                          <p:stCondLst>
+                                            <p:cond delay="0"/>
+                                          </p:stCondLst>
+                                        </p:cTn>
+                                        <p:tgtEl>
+                                          <p:spTgt spid="7"/>
+                                        </p:tgtEl>
+                                        <p:attrNameLst>
+                                          <p:attrName>style.visibility</p:attrName>
+                                        </p:attrNameLst>
+                                      </p:cBhvr>
+                                      <p:to>
+                                        <p:strVal val="visible"/>
+                                      </p:to>
+                                    </p:set>
+                                    <p:animEffect transition="in" filter="fade">
+                                      <p:cBhvr>
+                                        <p:cTn id="12" dur="500"/>
+                                        <p:tgtEl>
+                                          <p:spTgt spid="7"/>
+                                        </p:tgtEl>
+                                      </p:cBhvr>
+                                    </p:animEffect>
+                                  </p:childTnLst>
+                                </p:cTn>
+                              </p:par>
+                            </p:childTnLst>
+                          </p:cTn>
+                        </p:par>
+                      </p:childTnLst>
+                    </p:cTn>
+                  </p:par>
+                </p:childTnLst>
+              </p:cTn>
+              <p:prevCondLst>
+                <p:cond evt="onPrev" delay="0">
+                  <p:tgtEl>
+                    <p:sldTgt/>
+                  </p:tgtEl>
+                </p:cond>
+              </p:prevCondLst>
+              <p:nextCondLst>
+                <p:cond evt="onNext" delay="0">
+                  <p:tgtEl>
+                    <p:sldTgt/>
+                  </p:tgtEl>
+                </p:cond>
+              </p:nextCondLst>
+            </p:seq>
+          </p:childTnLst>
+        </p:cTn>
+      </p:par>
+    </p:tnLst>
+  </p:timing>
 </p:sld>
 </file>
 
-<file path=ppt/slides/slide8.xml><?xml version="1.0" encoding="utf-8"?>
+<file path=ppt/slides/slide9.xml><?xml version="1.0" encoding="utf-8"?>
 <p:sld xmlns:a="http://schemas.openxmlformats.org/drawingml/2006/main" xmlns:r="http://schemas.openxmlformats.org/officeDocument/2006/relationships" xmlns:p="http://schemas.openxmlformats.org/presentationml/2006/main">
   <p:cSld>
     <p:spTree>
@@ -9613,195 +12138,195 @@
   <p:clrMapOvr>
     <a:masterClrMapping/>
   </p:clrMapOvr>
-</p:sld>
-</file>
-
-<file path=ppt/slides/slide9.xml><?xml version="1.0" encoding="utf-8"?>
-<p:sld xmlns:a="http://schemas.openxmlformats.org/drawingml/2006/main" xmlns:r="http://schemas.openxmlformats.org/officeDocument/2006/relationships" xmlns:p="http://schemas.openxmlformats.org/presentationml/2006/main">
-  <p:cSld>
-    <p:spTree>
-      <p:nvGrpSpPr>
-        <p:cNvPr id="1" name=""/>
-        <p:cNvGrpSpPr/>
-        <p:nvPr/>
-      </p:nvGrpSpPr>
-      <p:grpSpPr>
-        <a:xfrm>
-          <a:off x="0" y="0"/>
-          <a:ext cx="0" cy="0"/>
-          <a:chOff x="0" y="0"/>
-          <a:chExt cx="0" cy="0"/>
-        </a:xfrm>
-      </p:grpSpPr>
-      <p:sp>
-        <p:nvSpPr>
-          <p:cNvPr id="3" name="Segnaposto testo 2"/>
-          <p:cNvSpPr>
-            <a:spLocks noGrp="1"/>
-          </p:cNvSpPr>
-          <p:nvPr>
-            <p:ph type="body" sz="quarter" idx="14"/>
-          </p:nvPr>
-        </p:nvSpPr>
-        <p:spPr>
-          <a:xfrm>
-            <a:off x="323528" y="548680"/>
-            <a:ext cx="7848872" cy="929048"/>
-          </a:xfrm>
-        </p:spPr>
-        <p:txBody>
-          <a:bodyPr/>
-          <a:lstStyle/>
-          <a:p>
-            <a:r>
-              <a:rPr lang="it-IT" dirty="0"/>
-              <a:t>Contenuti</a:t>
-            </a:r>
-          </a:p>
-        </p:txBody>
-      </p:sp>
-      <p:pic>
-        <p:nvPicPr>
-          <p:cNvPr id="5" name="Immagine 4">
-            <a:extLst>
-              <a:ext uri="{FF2B5EF4-FFF2-40B4-BE49-F238E27FC236}">
-                <a16:creationId xmlns:a16="http://schemas.microsoft.com/office/drawing/2014/main" id="{2FA0E86A-F1A8-4DFD-A341-8A7998113544}"/>
-              </a:ext>
-            </a:extLst>
-          </p:cNvPr>
-          <p:cNvPicPr>
-            <a:picLocks noChangeAspect="1"/>
-          </p:cNvPicPr>
-          <p:nvPr/>
-        </p:nvPicPr>
-        <p:blipFill rotWithShape="1">
-          <a:blip r:embed="rId2">
-            <a:extLst>
-              <a:ext uri="{28A0092B-C50C-407E-A947-70E740481C1C}">
-                <a14:useLocalDpi xmlns:a14="http://schemas.microsoft.com/office/drawing/2010/main" val="0"/>
-              </a:ext>
-            </a:extLst>
-          </a:blip>
-          <a:srcRect l="9768" t="52265" r="45987" b="33942"/>
-          <a:stretch/>
-        </p:blipFill>
-        <p:spPr bwMode="auto">
-          <a:xfrm>
-            <a:off x="1371097" y="944164"/>
-            <a:ext cx="5753734" cy="1119652"/>
-          </a:xfrm>
-          <a:prstGeom prst="rect">
-            <a:avLst/>
-          </a:prstGeom>
-          <a:noFill/>
-          <a:ln>
-            <a:noFill/>
-          </a:ln>
-          <a:extLst>
-            <a:ext uri="{53640926-AAD7-44D8-BBD7-CCE9431645EC}">
-              <a14:shadowObscured xmlns:a14="http://schemas.microsoft.com/office/drawing/2010/main"/>
-            </a:ext>
-          </a:extLst>
-        </p:spPr>
-      </p:pic>
-      <p:pic>
-        <p:nvPicPr>
-          <p:cNvPr id="6" name="Immagine 5">
-            <a:extLst>
-              <a:ext uri="{FF2B5EF4-FFF2-40B4-BE49-F238E27FC236}">
-                <a16:creationId xmlns:a16="http://schemas.microsoft.com/office/drawing/2014/main" id="{2733FAD7-5403-4FD9-8510-5230E060D694}"/>
-              </a:ext>
-            </a:extLst>
-          </p:cNvPr>
-          <p:cNvPicPr>
-            <a:picLocks noChangeAspect="1"/>
-          </p:cNvPicPr>
-          <p:nvPr/>
-        </p:nvPicPr>
-        <p:blipFill rotWithShape="1">
-          <a:blip r:embed="rId3">
-            <a:extLst>
-              <a:ext uri="{28A0092B-C50C-407E-A947-70E740481C1C}">
-                <a14:useLocalDpi xmlns:a14="http://schemas.microsoft.com/office/drawing/2010/main" val="0"/>
-              </a:ext>
-            </a:extLst>
-          </a:blip>
-          <a:srcRect l="18408" t="80878" r="44776"/>
-          <a:stretch/>
-        </p:blipFill>
-        <p:spPr bwMode="auto">
-          <a:xfrm>
-            <a:off x="1371096" y="2503131"/>
-            <a:ext cx="5753735" cy="1581150"/>
-          </a:xfrm>
-          <a:prstGeom prst="rect">
-            <a:avLst/>
-          </a:prstGeom>
-          <a:noFill/>
-          <a:ln>
-            <a:noFill/>
-          </a:ln>
-          <a:extLst>
-            <a:ext uri="{53640926-AAD7-44D8-BBD7-CCE9431645EC}">
-              <a14:shadowObscured xmlns:a14="http://schemas.microsoft.com/office/drawing/2010/main"/>
-            </a:ext>
-          </a:extLst>
-        </p:spPr>
-      </p:pic>
-      <p:pic>
-        <p:nvPicPr>
-          <p:cNvPr id="7" name="Immagine 6" descr="Immagine che contiene testo, computer, screenshot, monitor&#10;&#10;Descrizione generata automaticamente">
-            <a:extLst>
-              <a:ext uri="{FF2B5EF4-FFF2-40B4-BE49-F238E27FC236}">
-                <a16:creationId xmlns:a16="http://schemas.microsoft.com/office/drawing/2014/main" id="{88503023-6360-4355-9448-48AAE1001CA8}"/>
-              </a:ext>
-            </a:extLst>
-          </p:cNvPr>
-          <p:cNvPicPr>
-            <a:picLocks noChangeAspect="1"/>
-          </p:cNvPicPr>
-          <p:nvPr/>
-        </p:nvPicPr>
-        <p:blipFill rotWithShape="1">
-          <a:blip r:embed="rId4">
-            <a:extLst>
-              <a:ext uri="{28A0092B-C50C-407E-A947-70E740481C1C}">
-                <a14:useLocalDpi xmlns:a14="http://schemas.microsoft.com/office/drawing/2010/main" val="0"/>
-              </a:ext>
-            </a:extLst>
-          </a:blip>
-          <a:srcRect t="9814" r="62044" b="67178"/>
-          <a:stretch/>
-        </p:blipFill>
-        <p:spPr bwMode="auto">
-          <a:xfrm>
-            <a:off x="1371096" y="4523596"/>
-            <a:ext cx="5753735" cy="2016224"/>
-          </a:xfrm>
-          <a:prstGeom prst="rect">
-            <a:avLst/>
-          </a:prstGeom>
-          <a:noFill/>
-          <a:ln>
-            <a:noFill/>
-          </a:ln>
-          <a:extLst>
-            <a:ext uri="{53640926-AAD7-44D8-BBD7-CCE9431645EC}">
-              <a14:shadowObscured xmlns:a14="http://schemas.microsoft.com/office/drawing/2010/main"/>
-            </a:ext>
-          </a:extLst>
-        </p:spPr>
-      </p:pic>
-    </p:spTree>
-    <p:extLst>
-      <p:ext uri="{BB962C8B-B14F-4D97-AF65-F5344CB8AC3E}">
-        <p14:creationId xmlns:p14="http://schemas.microsoft.com/office/powerpoint/2010/main" val="3660027581"/>
-      </p:ext>
-    </p:extLst>
-  </p:cSld>
-  <p:clrMapOvr>
-    <a:masterClrMapping/>
-  </p:clrMapOvr>
+  <p:timing>
+    <p:tnLst>
+      <p:par>
+        <p:cTn id="1" dur="indefinite" restart="never" nodeType="tmRoot">
+          <p:childTnLst>
+            <p:seq concurrent="1" nextAc="seek">
+              <p:cTn id="2" dur="indefinite" nodeType="mainSeq">
+                <p:childTnLst>
+                  <p:par>
+                    <p:cTn id="3" fill="hold">
+                      <p:stCondLst>
+                        <p:cond delay="indefinite"/>
+                      </p:stCondLst>
+                      <p:childTnLst>
+                        <p:par>
+                          <p:cTn id="4" fill="hold">
+                            <p:stCondLst>
+                              <p:cond delay="0"/>
+                            </p:stCondLst>
+                            <p:childTnLst>
+                              <p:par>
+                                <p:cTn id="5" presetID="10" presetClass="entr" presetSubtype="0" fill="hold" nodeType="clickEffect">
+                                  <p:stCondLst>
+                                    <p:cond delay="0"/>
+                                  </p:stCondLst>
+                                  <p:childTnLst>
+                                    <p:set>
+                                      <p:cBhvr>
+                                        <p:cTn id="6" dur="1" fill="hold">
+                                          <p:stCondLst>
+                                            <p:cond delay="0"/>
+                                          </p:stCondLst>
+                                        </p:cTn>
+                                        <p:tgtEl>
+                                          <p:spTgt spid="5"/>
+                                        </p:tgtEl>
+                                        <p:attrNameLst>
+                                          <p:attrName>style.visibility</p:attrName>
+                                        </p:attrNameLst>
+                                      </p:cBhvr>
+                                      <p:to>
+                                        <p:strVal val="visible"/>
+                                      </p:to>
+                                    </p:set>
+                                    <p:animEffect transition="in" filter="fade">
+                                      <p:cBhvr>
+                                        <p:cTn id="7" dur="500"/>
+                                        <p:tgtEl>
+                                          <p:spTgt spid="5"/>
+                                        </p:tgtEl>
+                                      </p:cBhvr>
+                                    </p:animEffect>
+                                  </p:childTnLst>
+                                </p:cTn>
+                              </p:par>
+                            </p:childTnLst>
+                          </p:cTn>
+                        </p:par>
+                      </p:childTnLst>
+                    </p:cTn>
+                  </p:par>
+                  <p:par>
+                    <p:cTn id="8" fill="hold">
+                      <p:stCondLst>
+                        <p:cond delay="indefinite"/>
+                      </p:stCondLst>
+                      <p:childTnLst>
+                        <p:par>
+                          <p:cTn id="9" fill="hold">
+                            <p:stCondLst>
+                              <p:cond delay="0"/>
+                            </p:stCondLst>
+                            <p:childTnLst>
+                              <p:par>
+                                <p:cTn id="10" presetID="10" presetClass="entr" presetSubtype="0" fill="hold" nodeType="clickEffect">
+                                  <p:stCondLst>
+                                    <p:cond delay="0"/>
+                                  </p:stCondLst>
+                                  <p:childTnLst>
+                                    <p:set>
+                                      <p:cBhvr>
+                                        <p:cTn id="11" dur="1" fill="hold">
+                                          <p:stCondLst>
+                                            <p:cond delay="0"/>
+                                          </p:stCondLst>
+                                        </p:cTn>
+                                        <p:tgtEl>
+                                          <p:spTgt spid="6"/>
+                                        </p:tgtEl>
+                                        <p:attrNameLst>
+                                          <p:attrName>style.visibility</p:attrName>
+                                        </p:attrNameLst>
+                                      </p:cBhvr>
+                                      <p:to>
+                                        <p:strVal val="visible"/>
+                                      </p:to>
+                                    </p:set>
+                                    <p:animEffect transition="in" filter="fade">
+                                      <p:cBhvr>
+                                        <p:cTn id="12" dur="500"/>
+                                        <p:tgtEl>
+                                          <p:spTgt spid="6"/>
+                                        </p:tgtEl>
+                                      </p:cBhvr>
+                                    </p:animEffect>
+                                  </p:childTnLst>
+                                </p:cTn>
+                              </p:par>
+                            </p:childTnLst>
+                          </p:cTn>
+                        </p:par>
+                      </p:childTnLst>
+                    </p:cTn>
+                  </p:par>
+                  <p:par>
+                    <p:cTn id="13" fill="hold">
+                      <p:stCondLst>
+                        <p:cond delay="indefinite"/>
+                      </p:stCondLst>
+                      <p:childTnLst>
+                        <p:par>
+                          <p:cTn id="14" fill="hold">
+                            <p:stCondLst>
+                              <p:cond delay="0"/>
+                            </p:stCondLst>
+                            <p:childTnLst>
+                              <p:par>
+                                <p:cTn id="15" presetID="10" presetClass="entr" presetSubtype="0" fill="hold" nodeType="clickEffect">
+                                  <p:stCondLst>
+                                    <p:cond delay="0"/>
+                                  </p:stCondLst>
+                                  <p:childTnLst>
+                                    <p:set>
+                                      <p:cBhvr>
+                                        <p:cTn id="16" dur="1" fill="hold">
+                                          <p:stCondLst>
+                                            <p:cond delay="0"/>
+                                          </p:stCondLst>
+                                        </p:cTn>
+                                        <p:tgtEl>
+                                          <p:spTgt spid="7"/>
+                                        </p:tgtEl>
+                                        <p:attrNameLst>
+                                          <p:attrName>style.visibility</p:attrName>
+                                        </p:attrNameLst>
+                                      </p:cBhvr>
+                                      <p:to>
+                                        <p:strVal val="visible"/>
+                                      </p:to>
+                                    </p:set>
+                                    <p:animEffect transition="in" filter="fade">
+                                      <p:cBhvr>
+                                        <p:cTn id="17" dur="500"/>
+                                        <p:tgtEl>
+                                          <p:spTgt spid="7"/>
+                                        </p:tgtEl>
+                                      </p:cBhvr>
+                                    </p:animEffect>
+                                  </p:childTnLst>
+                                </p:cTn>
+                              </p:par>
+                            </p:childTnLst>
+                          </p:cTn>
+                        </p:par>
+                      </p:childTnLst>
+                    </p:cTn>
+                  </p:par>
+                </p:childTnLst>
+              </p:cTn>
+              <p:prevCondLst>
+                <p:cond evt="onPrev" delay="0">
+                  <p:tgtEl>
+                    <p:sldTgt/>
+                  </p:tgtEl>
+                </p:cond>
+              </p:prevCondLst>
+              <p:nextCondLst>
+                <p:cond evt="onNext" delay="0">
+                  <p:tgtEl>
+                    <p:sldTgt/>
+                  </p:tgtEl>
+                </p:cond>
+              </p:nextCondLst>
+            </p:seq>
+          </p:childTnLst>
+        </p:cTn>
+      </p:par>
+    </p:tnLst>
+  </p:timing>
 </p:sld>
 </file>
 
